--- a/App Designs/Light Mode App Design.pptx
+++ b/App Designs/Light Mode App Design.pptx
@@ -10,9 +10,10 @@
     <p:sldId id="260" r:id="rId4"/>
     <p:sldId id="261" r:id="rId5"/>
     <p:sldId id="258" r:id="rId6"/>
-    <p:sldId id="259" r:id="rId7"/>
-    <p:sldId id="262" r:id="rId8"/>
-    <p:sldId id="263" r:id="rId9"/>
+    <p:sldId id="262" r:id="rId7"/>
+    <p:sldId id="263" r:id="rId8"/>
+    <p:sldId id="264" r:id="rId9"/>
+    <p:sldId id="265" r:id="rId10"/>
   </p:sldIdLst>
   <p:sldSz cx="12192000" cy="6858000"/>
   <p:notesSz cx="6858000" cy="9144000"/>
@@ -268,7 +269,7 @@
           <a:p>
             <a:fld id="{2EEC6785-364A-4B3C-91D3-60B7FA839BB7}" type="datetimeFigureOut">
               <a:rPr lang="en-GB" smtClean="0"/>
-              <a:t>Sun 16/04/2023</a:t>
+              <a:t>Thu 20/04/2023</a:t>
             </a:fld>
             <a:endParaRPr lang="en-GB"/>
           </a:p>
@@ -468,7 +469,7 @@
           <a:p>
             <a:fld id="{2EEC6785-364A-4B3C-91D3-60B7FA839BB7}" type="datetimeFigureOut">
               <a:rPr lang="en-GB" smtClean="0"/>
-              <a:t>Sun 16/04/2023</a:t>
+              <a:t>Thu 20/04/2023</a:t>
             </a:fld>
             <a:endParaRPr lang="en-GB"/>
           </a:p>
@@ -678,7 +679,7 @@
           <a:p>
             <a:fld id="{2EEC6785-364A-4B3C-91D3-60B7FA839BB7}" type="datetimeFigureOut">
               <a:rPr lang="en-GB" smtClean="0"/>
-              <a:t>Sun 16/04/2023</a:t>
+              <a:t>Thu 20/04/2023</a:t>
             </a:fld>
             <a:endParaRPr lang="en-GB"/>
           </a:p>
@@ -878,7 +879,7 @@
           <a:p>
             <a:fld id="{2EEC6785-364A-4B3C-91D3-60B7FA839BB7}" type="datetimeFigureOut">
               <a:rPr lang="en-GB" smtClean="0"/>
-              <a:t>Sun 16/04/2023</a:t>
+              <a:t>Thu 20/04/2023</a:t>
             </a:fld>
             <a:endParaRPr lang="en-GB"/>
           </a:p>
@@ -1154,7 +1155,7 @@
           <a:p>
             <a:fld id="{2EEC6785-364A-4B3C-91D3-60B7FA839BB7}" type="datetimeFigureOut">
               <a:rPr lang="en-GB" smtClean="0"/>
-              <a:t>Sun 16/04/2023</a:t>
+              <a:t>Thu 20/04/2023</a:t>
             </a:fld>
             <a:endParaRPr lang="en-GB"/>
           </a:p>
@@ -1422,7 +1423,7 @@
           <a:p>
             <a:fld id="{2EEC6785-364A-4B3C-91D3-60B7FA839BB7}" type="datetimeFigureOut">
               <a:rPr lang="en-GB" smtClean="0"/>
-              <a:t>Sun 16/04/2023</a:t>
+              <a:t>Thu 20/04/2023</a:t>
             </a:fld>
             <a:endParaRPr lang="en-GB"/>
           </a:p>
@@ -1837,7 +1838,7 @@
           <a:p>
             <a:fld id="{2EEC6785-364A-4B3C-91D3-60B7FA839BB7}" type="datetimeFigureOut">
               <a:rPr lang="en-GB" smtClean="0"/>
-              <a:t>Sun 16/04/2023</a:t>
+              <a:t>Thu 20/04/2023</a:t>
             </a:fld>
             <a:endParaRPr lang="en-GB"/>
           </a:p>
@@ -1979,7 +1980,7 @@
           <a:p>
             <a:fld id="{2EEC6785-364A-4B3C-91D3-60B7FA839BB7}" type="datetimeFigureOut">
               <a:rPr lang="en-GB" smtClean="0"/>
-              <a:t>Sun 16/04/2023</a:t>
+              <a:t>Thu 20/04/2023</a:t>
             </a:fld>
             <a:endParaRPr lang="en-GB"/>
           </a:p>
@@ -2092,7 +2093,7 @@
           <a:p>
             <a:fld id="{2EEC6785-364A-4B3C-91D3-60B7FA839BB7}" type="datetimeFigureOut">
               <a:rPr lang="en-GB" smtClean="0"/>
-              <a:t>Sun 16/04/2023</a:t>
+              <a:t>Thu 20/04/2023</a:t>
             </a:fld>
             <a:endParaRPr lang="en-GB"/>
           </a:p>
@@ -2405,7 +2406,7 @@
           <a:p>
             <a:fld id="{2EEC6785-364A-4B3C-91D3-60B7FA839BB7}" type="datetimeFigureOut">
               <a:rPr lang="en-GB" smtClean="0"/>
-              <a:t>Sun 16/04/2023</a:t>
+              <a:t>Thu 20/04/2023</a:t>
             </a:fld>
             <a:endParaRPr lang="en-GB"/>
           </a:p>
@@ -2694,7 +2695,7 @@
           <a:p>
             <a:fld id="{2EEC6785-364A-4B3C-91D3-60B7FA839BB7}" type="datetimeFigureOut">
               <a:rPr lang="en-GB" smtClean="0"/>
-              <a:t>Sun 16/04/2023</a:t>
+              <a:t>Thu 20/04/2023</a:t>
             </a:fld>
             <a:endParaRPr lang="en-GB"/>
           </a:p>
@@ -2937,7 +2938,7 @@
           <a:p>
             <a:fld id="{2EEC6785-364A-4B3C-91D3-60B7FA839BB7}" type="datetimeFigureOut">
               <a:rPr lang="en-GB" smtClean="0"/>
-              <a:t>Sun 16/04/2023</a:t>
+              <a:t>Thu 20/04/2023</a:t>
             </a:fld>
             <a:endParaRPr lang="en-GB"/>
           </a:p>
@@ -5593,7 +5594,7 @@
         </p:nvSpPr>
         <p:spPr>
           <a:xfrm>
-            <a:off x="3943349" y="3883071"/>
+            <a:off x="1902277" y="5107714"/>
             <a:ext cx="3250747" cy="369332"/>
           </a:xfrm>
           <a:prstGeom prst="rect">
@@ -5615,112 +5616,12 @@
           </a:p>
         </p:txBody>
       </p:sp>
-    </p:spTree>
-    <p:extLst>
-      <p:ext uri="{BB962C8B-B14F-4D97-AF65-F5344CB8AC3E}">
-        <p14:creationId xmlns:p14="http://schemas.microsoft.com/office/powerpoint/2010/main" val="1298032690"/>
-      </p:ext>
-    </p:extLst>
-  </p:cSld>
-  <p:clrMapOvr>
-    <a:masterClrMapping/>
-  </p:clrMapOvr>
-</p:sld>
-</file>
-
-<file path=ppt/slides/slide7.xml><?xml version="1.0" encoding="utf-8"?>
-<p:sld xmlns:a="http://schemas.openxmlformats.org/drawingml/2006/main" xmlns:r="http://schemas.openxmlformats.org/officeDocument/2006/relationships" xmlns:p="http://schemas.openxmlformats.org/presentationml/2006/main">
-  <p:cSld>
-    <p:spTree>
-      <p:nvGrpSpPr>
-        <p:cNvPr id="1" name=""/>
-        <p:cNvGrpSpPr/>
-        <p:nvPr/>
-      </p:nvGrpSpPr>
-      <p:grpSpPr>
-        <a:xfrm>
-          <a:off x="0" y="0"/>
-          <a:ext cx="0" cy="0"/>
-          <a:chOff x="0" y="0"/>
-          <a:chExt cx="0" cy="0"/>
-        </a:xfrm>
-      </p:grpSpPr>
-      <p:pic>
-        <p:nvPicPr>
-          <p:cNvPr id="8" name="Picture 7">
-            <a:extLst>
-              <a:ext uri="{FF2B5EF4-FFF2-40B4-BE49-F238E27FC236}">
-                <a16:creationId xmlns:a16="http://schemas.microsoft.com/office/drawing/2014/main" id="{2178BBA3-13E3-64E3-5B7C-65EE06028D61}"/>
-              </a:ext>
-            </a:extLst>
-          </p:cNvPr>
-          <p:cNvPicPr>
-            <a:picLocks noChangeAspect="1"/>
-          </p:cNvPicPr>
-          <p:nvPr/>
-        </p:nvPicPr>
-        <p:blipFill>
-          <a:blip r:embed="rId2">
-            <a:extLst>
-              <a:ext uri="{28A0092B-C50C-407E-A947-70E740481C1C}">
-                <a14:useLocalDpi xmlns:a14="http://schemas.microsoft.com/office/drawing/2010/main" val="0"/>
-              </a:ext>
-            </a:extLst>
-          </a:blip>
-          <a:srcRect/>
-          <a:stretch/>
-        </p:blipFill>
-        <p:spPr>
-          <a:xfrm>
-            <a:off x="11753850" y="295484"/>
-            <a:ext cx="228600" cy="228600"/>
-          </a:xfrm>
-          <a:prstGeom prst="rect">
-            <a:avLst/>
-          </a:prstGeom>
-        </p:spPr>
-      </p:pic>
-      <p:pic>
-        <p:nvPicPr>
-          <p:cNvPr id="10" name="Picture 9">
-            <a:extLst>
-              <a:ext uri="{FF2B5EF4-FFF2-40B4-BE49-F238E27FC236}">
-                <a16:creationId xmlns:a16="http://schemas.microsoft.com/office/drawing/2014/main" id="{D8BFDA35-FFD0-93CB-AC89-B5EEDB4E4C3C}"/>
-              </a:ext>
-            </a:extLst>
-          </p:cNvPr>
-          <p:cNvPicPr>
-            <a:picLocks noChangeAspect="1"/>
-          </p:cNvPicPr>
-          <p:nvPr/>
-        </p:nvPicPr>
-        <p:blipFill>
-          <a:blip r:embed="rId3">
-            <a:extLst>
-              <a:ext uri="{28A0092B-C50C-407E-A947-70E740481C1C}">
-                <a14:useLocalDpi xmlns:a14="http://schemas.microsoft.com/office/drawing/2010/main" val="0"/>
-              </a:ext>
-            </a:extLst>
-          </a:blip>
-          <a:srcRect t="18065" b="18065"/>
-          <a:stretch/>
-        </p:blipFill>
-        <p:spPr>
-          <a:xfrm>
-            <a:off x="209550" y="112559"/>
-            <a:ext cx="930729" cy="594451"/>
-          </a:xfrm>
-          <a:prstGeom prst="rect">
-            <a:avLst/>
-          </a:prstGeom>
-        </p:spPr>
-      </p:pic>
-      <p:sp>
-        <p:nvSpPr>
-          <p:cNvPr id="13" name="TextBox 12">
-            <a:extLst>
-              <a:ext uri="{FF2B5EF4-FFF2-40B4-BE49-F238E27FC236}">
-                <a16:creationId xmlns:a16="http://schemas.microsoft.com/office/drawing/2014/main" id="{EFF7623C-913B-C167-A035-ECA3F1AF16B3}"/>
+      <p:sp>
+        <p:nvSpPr>
+          <p:cNvPr id="7" name="TextBox 6">
+            <a:extLst>
+              <a:ext uri="{FF2B5EF4-FFF2-40B4-BE49-F238E27FC236}">
+                <a16:creationId xmlns:a16="http://schemas.microsoft.com/office/drawing/2014/main" id="{57F7AAD2-E31E-8F39-4F3F-B4D334C1ECFF}"/>
               </a:ext>
             </a:extLst>
           </p:cNvPr>
@@ -5729,78 +5630,7 @@
         </p:nvSpPr>
         <p:spPr>
           <a:xfrm>
-            <a:off x="4389664" y="225118"/>
-            <a:ext cx="3412672" cy="369332"/>
-          </a:xfrm>
-          <a:prstGeom prst="rect">
-            <a:avLst/>
-          </a:prstGeom>
-          <a:noFill/>
-        </p:spPr>
-        <p:txBody>
-          <a:bodyPr wrap="square" rtlCol="0">
-            <a:spAutoFit/>
-          </a:bodyPr>
-          <a:lstStyle/>
-          <a:p>
-            <a:pPr algn="ctr"/>
-            <a:r>
-              <a:rPr lang="en-GB" dirty="0"/>
-              <a:t>Back-Test Your Strategies</a:t>
-            </a:r>
-          </a:p>
-        </p:txBody>
-      </p:sp>
-      <p:sp>
-        <p:nvSpPr>
-          <p:cNvPr id="14" name="TextBox 13">
-            <a:extLst>
-              <a:ext uri="{FF2B5EF4-FFF2-40B4-BE49-F238E27FC236}">
-                <a16:creationId xmlns:a16="http://schemas.microsoft.com/office/drawing/2014/main" id="{BA35C2C5-C1E3-F880-A996-CD62EDB901E3}"/>
-              </a:ext>
-            </a:extLst>
-          </p:cNvPr>
-          <p:cNvSpPr txBox="1"/>
-          <p:nvPr/>
-        </p:nvSpPr>
-        <p:spPr>
-          <a:xfrm>
-            <a:off x="4015466" y="1257300"/>
-            <a:ext cx="938894" cy="369332"/>
-          </a:xfrm>
-          <a:prstGeom prst="rect">
-            <a:avLst/>
-          </a:prstGeom>
-          <a:noFill/>
-        </p:spPr>
-        <p:txBody>
-          <a:bodyPr wrap="square" rtlCol="0">
-            <a:spAutoFit/>
-          </a:bodyPr>
-          <a:lstStyle/>
-          <a:p>
-            <a:r>
-              <a:rPr lang="en-GB" dirty="0"/>
-              <a:t>Symbol:</a:t>
-            </a:r>
-          </a:p>
-        </p:txBody>
-      </p:sp>
-      <p:sp>
-        <p:nvSpPr>
-          <p:cNvPr id="15" name="TextBox 14">
-            <a:extLst>
-              <a:ext uri="{FF2B5EF4-FFF2-40B4-BE49-F238E27FC236}">
-                <a16:creationId xmlns:a16="http://schemas.microsoft.com/office/drawing/2014/main" id="{1EC4C14D-EDD0-6264-95E4-39E0B4F3F228}"/>
-              </a:ext>
-            </a:extLst>
-          </p:cNvPr>
-          <p:cNvSpPr txBox="1"/>
-          <p:nvPr/>
-        </p:nvSpPr>
-        <p:spPr>
-          <a:xfrm>
-            <a:off x="4954360" y="1257300"/>
+            <a:off x="4954359" y="3523842"/>
             <a:ext cx="3250747" cy="369332"/>
           </a:xfrm>
           <a:prstGeom prst="rect">
@@ -5821,413 +5651,7 @@
           <a:p>
             <a:r>
               <a:rPr lang="en-GB" dirty="0"/>
-              <a:t>AAPL</a:t>
-            </a:r>
-          </a:p>
-        </p:txBody>
-      </p:sp>
-      <p:pic>
-        <p:nvPicPr>
-          <p:cNvPr id="17" name="Picture 16">
-            <a:extLst>
-              <a:ext uri="{FF2B5EF4-FFF2-40B4-BE49-F238E27FC236}">
-                <a16:creationId xmlns:a16="http://schemas.microsoft.com/office/drawing/2014/main" id="{A3E0E269-AD22-2731-4B12-B9176794FD41}"/>
-              </a:ext>
-            </a:extLst>
-          </p:cNvPr>
-          <p:cNvPicPr>
-            <a:picLocks noChangeAspect="1"/>
-          </p:cNvPicPr>
-          <p:nvPr/>
-        </p:nvPicPr>
-        <p:blipFill>
-          <a:blip r:embed="rId4">
-            <a:extLst>
-              <a:ext uri="{28A0092B-C50C-407E-A947-70E740481C1C}">
-                <a14:useLocalDpi xmlns:a14="http://schemas.microsoft.com/office/drawing/2010/main" val="0"/>
-              </a:ext>
-            </a:extLst>
-          </a:blip>
-          <a:srcRect/>
-          <a:stretch/>
-        </p:blipFill>
-        <p:spPr>
-          <a:xfrm>
-            <a:off x="7913914" y="1327666"/>
-            <a:ext cx="228600" cy="228600"/>
-          </a:xfrm>
-          <a:prstGeom prst="rect">
-            <a:avLst/>
-          </a:prstGeom>
-        </p:spPr>
-      </p:pic>
-      <p:pic>
-        <p:nvPicPr>
-          <p:cNvPr id="19" name="Picture 18">
-            <a:extLst>
-              <a:ext uri="{FF2B5EF4-FFF2-40B4-BE49-F238E27FC236}">
-                <a16:creationId xmlns:a16="http://schemas.microsoft.com/office/drawing/2014/main" id="{764A9CA3-CF13-50EE-6B6E-F626ED839169}"/>
-              </a:ext>
-            </a:extLst>
-          </p:cNvPr>
-          <p:cNvPicPr>
-            <a:picLocks noChangeAspect="1"/>
-          </p:cNvPicPr>
-          <p:nvPr/>
-        </p:nvPicPr>
-        <p:blipFill>
-          <a:blip r:embed="rId5">
-            <a:extLst>
-              <a:ext uri="{28A0092B-C50C-407E-A947-70E740481C1C}">
-                <a14:useLocalDpi xmlns:a14="http://schemas.microsoft.com/office/drawing/2010/main" val="0"/>
-              </a:ext>
-            </a:extLst>
-          </a:blip>
-          <a:srcRect/>
-          <a:stretch/>
-        </p:blipFill>
-        <p:spPr>
-          <a:xfrm>
-            <a:off x="8349343" y="1327666"/>
-            <a:ext cx="228600" cy="228600"/>
-          </a:xfrm>
-          <a:prstGeom prst="rect">
-            <a:avLst/>
-          </a:prstGeom>
-        </p:spPr>
-      </p:pic>
-      <p:sp>
-        <p:nvSpPr>
-          <p:cNvPr id="20" name="TextBox 19">
-            <a:extLst>
-              <a:ext uri="{FF2B5EF4-FFF2-40B4-BE49-F238E27FC236}">
-                <a16:creationId xmlns:a16="http://schemas.microsoft.com/office/drawing/2014/main" id="{60B43C9E-0C59-6AB2-24FA-CE055EF2C6BE}"/>
-              </a:ext>
-            </a:extLst>
-          </p:cNvPr>
-          <p:cNvSpPr txBox="1"/>
-          <p:nvPr/>
-        </p:nvSpPr>
-        <p:spPr>
-          <a:xfrm>
-            <a:off x="4954360" y="1834243"/>
-            <a:ext cx="3250747" cy="369332"/>
-          </a:xfrm>
-          <a:prstGeom prst="rect">
-            <a:avLst/>
-          </a:prstGeom>
-          <a:noFill/>
-          <a:ln>
-            <a:solidFill>
-              <a:schemeClr val="tx1"/>
-            </a:solidFill>
-          </a:ln>
-        </p:spPr>
-        <p:txBody>
-          <a:bodyPr wrap="square" rtlCol="0">
-            <a:spAutoFit/>
-          </a:bodyPr>
-          <a:lstStyle/>
-          <a:p>
-            <a:r>
-              <a:rPr lang="en-GB" dirty="0"/>
-              <a:t>Long</a:t>
-            </a:r>
-          </a:p>
-        </p:txBody>
-      </p:sp>
-      <p:sp>
-        <p:nvSpPr>
-          <p:cNvPr id="21" name="TextBox 20">
-            <a:extLst>
-              <a:ext uri="{FF2B5EF4-FFF2-40B4-BE49-F238E27FC236}">
-                <a16:creationId xmlns:a16="http://schemas.microsoft.com/office/drawing/2014/main" id="{73E08E34-CC87-93D3-98D6-22C61F5EA4EF}"/>
-              </a:ext>
-            </a:extLst>
-          </p:cNvPr>
-          <p:cNvSpPr txBox="1"/>
-          <p:nvPr/>
-        </p:nvSpPr>
-        <p:spPr>
-          <a:xfrm>
-            <a:off x="3943350" y="1834243"/>
-            <a:ext cx="1011010" cy="369332"/>
-          </a:xfrm>
-          <a:prstGeom prst="rect">
-            <a:avLst/>
-          </a:prstGeom>
-          <a:noFill/>
-        </p:spPr>
-        <p:txBody>
-          <a:bodyPr wrap="square" rtlCol="0">
-            <a:spAutoFit/>
-          </a:bodyPr>
-          <a:lstStyle/>
-          <a:p>
-            <a:r>
-              <a:rPr lang="en-GB" dirty="0"/>
-              <a:t>Position:</a:t>
-            </a:r>
-          </a:p>
-        </p:txBody>
-      </p:sp>
-      <p:pic>
-        <p:nvPicPr>
-          <p:cNvPr id="22" name="Picture 21">
-            <a:extLst>
-              <a:ext uri="{FF2B5EF4-FFF2-40B4-BE49-F238E27FC236}">
-                <a16:creationId xmlns:a16="http://schemas.microsoft.com/office/drawing/2014/main" id="{AF83F8C5-3D2B-DBAB-9EE2-C8A23F1A6C20}"/>
-              </a:ext>
-            </a:extLst>
-          </p:cNvPr>
-          <p:cNvPicPr>
-            <a:picLocks noChangeAspect="1"/>
-          </p:cNvPicPr>
-          <p:nvPr/>
-        </p:nvPicPr>
-        <p:blipFill>
-          <a:blip r:embed="rId4">
-            <a:extLst>
-              <a:ext uri="{28A0092B-C50C-407E-A947-70E740481C1C}">
-                <a14:useLocalDpi xmlns:a14="http://schemas.microsoft.com/office/drawing/2010/main" val="0"/>
-              </a:ext>
-            </a:extLst>
-          </a:blip>
-          <a:srcRect/>
-          <a:stretch/>
-        </p:blipFill>
-        <p:spPr>
-          <a:xfrm>
-            <a:off x="7913914" y="1904609"/>
-            <a:ext cx="228600" cy="228600"/>
-          </a:xfrm>
-          <a:prstGeom prst="rect">
-            <a:avLst/>
-          </a:prstGeom>
-        </p:spPr>
-      </p:pic>
-      <p:sp>
-        <p:nvSpPr>
-          <p:cNvPr id="2" name="TextBox 1">
-            <a:extLst>
-              <a:ext uri="{FF2B5EF4-FFF2-40B4-BE49-F238E27FC236}">
-                <a16:creationId xmlns:a16="http://schemas.microsoft.com/office/drawing/2014/main" id="{A09A0BAB-CA38-526D-9AA8-5C0ADA33968A}"/>
-              </a:ext>
-            </a:extLst>
-          </p:cNvPr>
-          <p:cNvSpPr txBox="1"/>
-          <p:nvPr/>
-        </p:nvSpPr>
-        <p:spPr>
-          <a:xfrm>
-            <a:off x="3943349" y="2405743"/>
-            <a:ext cx="1011010" cy="369332"/>
-          </a:xfrm>
-          <a:prstGeom prst="rect">
-            <a:avLst/>
-          </a:prstGeom>
-          <a:noFill/>
-        </p:spPr>
-        <p:txBody>
-          <a:bodyPr wrap="square" rtlCol="0">
-            <a:spAutoFit/>
-          </a:bodyPr>
-          <a:lstStyle/>
-          <a:p>
-            <a:r>
-              <a:rPr lang="en-GB" dirty="0"/>
-              <a:t>Strategy:</a:t>
-            </a:r>
-          </a:p>
-        </p:txBody>
-      </p:sp>
-      <p:sp>
-        <p:nvSpPr>
-          <p:cNvPr id="3" name="TextBox 2">
-            <a:extLst>
-              <a:ext uri="{FF2B5EF4-FFF2-40B4-BE49-F238E27FC236}">
-                <a16:creationId xmlns:a16="http://schemas.microsoft.com/office/drawing/2014/main" id="{91B126EF-DFD8-CE0C-F09E-F4E58B6C92E7}"/>
-              </a:ext>
-            </a:extLst>
-          </p:cNvPr>
-          <p:cNvSpPr txBox="1"/>
-          <p:nvPr/>
-        </p:nvSpPr>
-        <p:spPr>
-          <a:xfrm>
-            <a:off x="4954359" y="2411186"/>
-            <a:ext cx="3250747" cy="369332"/>
-          </a:xfrm>
-          <a:prstGeom prst="rect">
-            <a:avLst/>
-          </a:prstGeom>
-          <a:noFill/>
-          <a:ln>
-            <a:solidFill>
-              <a:schemeClr val="tx1"/>
-            </a:solidFill>
-          </a:ln>
-        </p:spPr>
-        <p:txBody>
-          <a:bodyPr wrap="square" rtlCol="0">
-            <a:spAutoFit/>
-          </a:bodyPr>
-          <a:lstStyle/>
-          <a:p>
-            <a:r>
-              <a:rPr lang="en-GB" dirty="0"/>
-              <a:t>|</a:t>
-            </a:r>
-          </a:p>
-        </p:txBody>
-      </p:sp>
-      <p:pic>
-        <p:nvPicPr>
-          <p:cNvPr id="4" name="Picture 3">
-            <a:extLst>
-              <a:ext uri="{FF2B5EF4-FFF2-40B4-BE49-F238E27FC236}">
-                <a16:creationId xmlns:a16="http://schemas.microsoft.com/office/drawing/2014/main" id="{A832A5AF-F9E4-D6C3-D24E-3C996D8D35C2}"/>
-              </a:ext>
-            </a:extLst>
-          </p:cNvPr>
-          <p:cNvPicPr>
-            <a:picLocks noChangeAspect="1"/>
-          </p:cNvPicPr>
-          <p:nvPr/>
-        </p:nvPicPr>
-        <p:blipFill>
-          <a:blip r:embed="rId4">
-            <a:extLst>
-              <a:ext uri="{28A0092B-C50C-407E-A947-70E740481C1C}">
-                <a14:useLocalDpi xmlns:a14="http://schemas.microsoft.com/office/drawing/2010/main" val="0"/>
-              </a:ext>
-            </a:extLst>
-          </a:blip>
-          <a:srcRect/>
-          <a:stretch/>
-        </p:blipFill>
-        <p:spPr>
-          <a:xfrm>
-            <a:off x="7913914" y="2483882"/>
-            <a:ext cx="228600" cy="228600"/>
-          </a:xfrm>
-          <a:prstGeom prst="rect">
-            <a:avLst/>
-          </a:prstGeom>
-        </p:spPr>
-      </p:pic>
-      <p:sp>
-        <p:nvSpPr>
-          <p:cNvPr id="5" name="TextBox 4">
-            <a:extLst>
-              <a:ext uri="{FF2B5EF4-FFF2-40B4-BE49-F238E27FC236}">
-                <a16:creationId xmlns:a16="http://schemas.microsoft.com/office/drawing/2014/main" id="{6F21A8A2-EACC-31CD-BED0-4D28814E6290}"/>
-              </a:ext>
-            </a:extLst>
-          </p:cNvPr>
-          <p:cNvSpPr txBox="1"/>
-          <p:nvPr/>
-        </p:nvSpPr>
-        <p:spPr>
-          <a:xfrm>
-            <a:off x="4954359" y="2785178"/>
-            <a:ext cx="3250747" cy="369332"/>
-          </a:xfrm>
-          <a:prstGeom prst="rect">
-            <a:avLst/>
-          </a:prstGeom>
-          <a:noFill/>
-          <a:ln>
-            <a:solidFill>
-              <a:schemeClr val="tx1"/>
-            </a:solidFill>
-          </a:ln>
-        </p:spPr>
-        <p:txBody>
-          <a:bodyPr wrap="square" rtlCol="0">
-            <a:spAutoFit/>
-          </a:bodyPr>
-          <a:lstStyle/>
-          <a:p>
-            <a:r>
-              <a:rPr lang="en-GB" dirty="0"/>
-              <a:t>MA crossover</a:t>
-            </a:r>
-          </a:p>
-        </p:txBody>
-      </p:sp>
-      <p:sp>
-        <p:nvSpPr>
-          <p:cNvPr id="6" name="TextBox 5">
-            <a:extLst>
-              <a:ext uri="{FF2B5EF4-FFF2-40B4-BE49-F238E27FC236}">
-                <a16:creationId xmlns:a16="http://schemas.microsoft.com/office/drawing/2014/main" id="{34DB4FEE-D391-615C-8A10-4A87040A4F33}"/>
-              </a:ext>
-            </a:extLst>
-          </p:cNvPr>
-          <p:cNvSpPr txBox="1"/>
-          <p:nvPr/>
-        </p:nvSpPr>
-        <p:spPr>
-          <a:xfrm>
-            <a:off x="4954359" y="3154510"/>
-            <a:ext cx="3250747" cy="369332"/>
-          </a:xfrm>
-          <a:prstGeom prst="rect">
-            <a:avLst/>
-          </a:prstGeom>
-          <a:noFill/>
-          <a:ln>
-            <a:solidFill>
-              <a:schemeClr val="tx1"/>
-            </a:solidFill>
-          </a:ln>
-        </p:spPr>
-        <p:txBody>
-          <a:bodyPr wrap="square" rtlCol="0">
-            <a:spAutoFit/>
-          </a:bodyPr>
-          <a:lstStyle/>
-          <a:p>
-            <a:r>
-              <a:rPr lang="en-GB" dirty="0"/>
-              <a:t>RSI overbought/oversold</a:t>
-            </a:r>
-          </a:p>
-        </p:txBody>
-      </p:sp>
-      <p:sp>
-        <p:nvSpPr>
-          <p:cNvPr id="11" name="TextBox 10">
-            <a:extLst>
-              <a:ext uri="{FF2B5EF4-FFF2-40B4-BE49-F238E27FC236}">
-                <a16:creationId xmlns:a16="http://schemas.microsoft.com/office/drawing/2014/main" id="{975910F5-45BA-B2BF-243C-A2052F3E33A2}"/>
-              </a:ext>
-            </a:extLst>
-          </p:cNvPr>
-          <p:cNvSpPr txBox="1"/>
-          <p:nvPr/>
-        </p:nvSpPr>
-        <p:spPr>
-          <a:xfrm>
-            <a:off x="3943349" y="3883071"/>
-            <a:ext cx="3250747" cy="369332"/>
-          </a:xfrm>
-          <a:prstGeom prst="rect">
-            <a:avLst/>
-          </a:prstGeom>
-          <a:noFill/>
-        </p:spPr>
-        <p:txBody>
-          <a:bodyPr wrap="square" rtlCol="0">
-            <a:spAutoFit/>
-          </a:bodyPr>
-          <a:lstStyle/>
-          <a:p>
-            <a:pPr algn="ctr"/>
-            <a:r>
-              <a:rPr lang="en-GB" dirty="0"/>
-              <a:t>Settings for each strategy…</a:t>
+              <a:t>Bollinger Bands</a:t>
             </a:r>
           </a:p>
         </p:txBody>
@@ -6245,7 +5669,7 @@
 </p:sld>
 </file>
 
-<file path=ppt/slides/slide8.xml><?xml version="1.0" encoding="utf-8"?>
+<file path=ppt/slides/slide7.xml><?xml version="1.0" encoding="utf-8"?>
 <p:sld xmlns:a="http://schemas.openxmlformats.org/drawingml/2006/main" xmlns:r="http://schemas.openxmlformats.org/officeDocument/2006/relationships" xmlns:p="http://schemas.openxmlformats.org/presentationml/2006/main">
   <p:cSld>
     <p:bg>
@@ -6906,7 +6330,7 @@
         </p:nvSpPr>
         <p:spPr>
           <a:xfrm>
-            <a:off x="5236029" y="3578680"/>
+            <a:off x="5719761" y="4046764"/>
             <a:ext cx="1719942" cy="369332"/>
           </a:xfrm>
           <a:prstGeom prst="rect">
@@ -6942,7 +6366,7 @@
         </p:nvSpPr>
         <p:spPr>
           <a:xfrm>
-            <a:off x="4982936" y="4065815"/>
+            <a:off x="5466668" y="4533899"/>
             <a:ext cx="2226128" cy="369332"/>
           </a:xfrm>
           <a:prstGeom prst="rect">
@@ -6960,6 +6384,47 @@
             <a:r>
               <a:rPr lang="en-GB" dirty="0"/>
               <a:t>Winning %: 54.21%</a:t>
+            </a:r>
+          </a:p>
+        </p:txBody>
+      </p:sp>
+      <p:sp>
+        <p:nvSpPr>
+          <p:cNvPr id="5" name="TextBox 4">
+            <a:extLst>
+              <a:ext uri="{FF2B5EF4-FFF2-40B4-BE49-F238E27FC236}">
+                <a16:creationId xmlns:a16="http://schemas.microsoft.com/office/drawing/2014/main" id="{B0F620A6-CDFD-2E0C-F1B3-C971D794C17C}"/>
+              </a:ext>
+            </a:extLst>
+          </p:cNvPr>
+          <p:cNvSpPr txBox="1"/>
+          <p:nvPr/>
+        </p:nvSpPr>
+        <p:spPr>
+          <a:xfrm>
+            <a:off x="4954359" y="3559629"/>
+            <a:ext cx="3250747" cy="369332"/>
+          </a:xfrm>
+          <a:prstGeom prst="rect">
+            <a:avLst/>
+          </a:prstGeom>
+          <a:noFill/>
+          <a:ln>
+            <a:solidFill>
+              <a:schemeClr val="tx1"/>
+            </a:solidFill>
+          </a:ln>
+        </p:spPr>
+        <p:txBody>
+          <a:bodyPr wrap="square" rtlCol="0">
+            <a:spAutoFit/>
+          </a:bodyPr>
+          <a:lstStyle/>
+          <a:p>
+            <a:pPr algn="ctr"/>
+            <a:r>
+              <a:rPr lang="en-GB" dirty="0"/>
+              <a:t>Submit</a:t>
             </a:r>
           </a:p>
         </p:txBody>
@@ -6968,6 +6433,1952 @@
     <p:extLst>
       <p:ext uri="{BB962C8B-B14F-4D97-AF65-F5344CB8AC3E}">
         <p14:creationId xmlns:p14="http://schemas.microsoft.com/office/powerpoint/2010/main" val="1942810425"/>
+      </p:ext>
+    </p:extLst>
+  </p:cSld>
+  <p:clrMapOvr>
+    <a:masterClrMapping/>
+  </p:clrMapOvr>
+</p:sld>
+</file>
+
+<file path=ppt/slides/slide8.xml><?xml version="1.0" encoding="utf-8"?>
+<p:sld xmlns:a="http://schemas.openxmlformats.org/drawingml/2006/main" xmlns:r="http://schemas.openxmlformats.org/officeDocument/2006/relationships" xmlns:p="http://schemas.openxmlformats.org/presentationml/2006/main">
+  <p:cSld>
+    <p:spTree>
+      <p:nvGrpSpPr>
+        <p:cNvPr id="1" name=""/>
+        <p:cNvGrpSpPr/>
+        <p:nvPr/>
+      </p:nvGrpSpPr>
+      <p:grpSpPr>
+        <a:xfrm>
+          <a:off x="0" y="0"/>
+          <a:ext cx="0" cy="0"/>
+          <a:chOff x="0" y="0"/>
+          <a:chExt cx="0" cy="0"/>
+        </a:xfrm>
+      </p:grpSpPr>
+      <p:pic>
+        <p:nvPicPr>
+          <p:cNvPr id="8" name="Picture 7">
+            <a:extLst>
+              <a:ext uri="{FF2B5EF4-FFF2-40B4-BE49-F238E27FC236}">
+                <a16:creationId xmlns:a16="http://schemas.microsoft.com/office/drawing/2014/main" id="{2178BBA3-13E3-64E3-5B7C-65EE06028D61}"/>
+              </a:ext>
+            </a:extLst>
+          </p:cNvPr>
+          <p:cNvPicPr>
+            <a:picLocks noChangeAspect="1"/>
+          </p:cNvPicPr>
+          <p:nvPr/>
+        </p:nvPicPr>
+        <p:blipFill>
+          <a:blip r:embed="rId2">
+            <a:extLst>
+              <a:ext uri="{28A0092B-C50C-407E-A947-70E740481C1C}">
+                <a14:useLocalDpi xmlns:a14="http://schemas.microsoft.com/office/drawing/2010/main" val="0"/>
+              </a:ext>
+            </a:extLst>
+          </a:blip>
+          <a:srcRect/>
+          <a:stretch/>
+        </p:blipFill>
+        <p:spPr>
+          <a:xfrm>
+            <a:off x="11753850" y="295484"/>
+            <a:ext cx="228600" cy="228600"/>
+          </a:xfrm>
+          <a:prstGeom prst="rect">
+            <a:avLst/>
+          </a:prstGeom>
+        </p:spPr>
+      </p:pic>
+      <p:pic>
+        <p:nvPicPr>
+          <p:cNvPr id="10" name="Picture 9">
+            <a:extLst>
+              <a:ext uri="{FF2B5EF4-FFF2-40B4-BE49-F238E27FC236}">
+                <a16:creationId xmlns:a16="http://schemas.microsoft.com/office/drawing/2014/main" id="{D8BFDA35-FFD0-93CB-AC89-B5EEDB4E4C3C}"/>
+              </a:ext>
+            </a:extLst>
+          </p:cNvPr>
+          <p:cNvPicPr>
+            <a:picLocks noChangeAspect="1"/>
+          </p:cNvPicPr>
+          <p:nvPr/>
+        </p:nvPicPr>
+        <p:blipFill>
+          <a:blip r:embed="rId3">
+            <a:extLst>
+              <a:ext uri="{28A0092B-C50C-407E-A947-70E740481C1C}">
+                <a14:useLocalDpi xmlns:a14="http://schemas.microsoft.com/office/drawing/2010/main" val="0"/>
+              </a:ext>
+            </a:extLst>
+          </a:blip>
+          <a:srcRect l="1933" r="1933"/>
+          <a:stretch/>
+        </p:blipFill>
+        <p:spPr>
+          <a:xfrm>
+            <a:off x="209550" y="112559"/>
+            <a:ext cx="930729" cy="594451"/>
+          </a:xfrm>
+          <a:prstGeom prst="rect">
+            <a:avLst/>
+          </a:prstGeom>
+        </p:spPr>
+      </p:pic>
+      <p:sp>
+        <p:nvSpPr>
+          <p:cNvPr id="13" name="TextBox 12">
+            <a:extLst>
+              <a:ext uri="{FF2B5EF4-FFF2-40B4-BE49-F238E27FC236}">
+                <a16:creationId xmlns:a16="http://schemas.microsoft.com/office/drawing/2014/main" id="{EFF7623C-913B-C167-A035-ECA3F1AF16B3}"/>
+              </a:ext>
+            </a:extLst>
+          </p:cNvPr>
+          <p:cNvSpPr txBox="1"/>
+          <p:nvPr/>
+        </p:nvSpPr>
+        <p:spPr>
+          <a:xfrm>
+            <a:off x="4389664" y="225118"/>
+            <a:ext cx="3412672" cy="369332"/>
+          </a:xfrm>
+          <a:prstGeom prst="rect">
+            <a:avLst/>
+          </a:prstGeom>
+          <a:noFill/>
+        </p:spPr>
+        <p:txBody>
+          <a:bodyPr wrap="square" rtlCol="0">
+            <a:spAutoFit/>
+          </a:bodyPr>
+          <a:lstStyle/>
+          <a:p>
+            <a:pPr marL="0" marR="0" lvl="0" indent="0" algn="ctr" defTabSz="914400" rtl="0" eaLnBrk="1" fontAlgn="auto" latinLnBrk="0" hangingPunct="1">
+              <a:lnSpc>
+                <a:spcPct val="100000"/>
+              </a:lnSpc>
+              <a:spcBef>
+                <a:spcPts val="0"/>
+              </a:spcBef>
+              <a:spcAft>
+                <a:spcPts val="0"/>
+              </a:spcAft>
+              <a:buClrTx/>
+              <a:buSzTx/>
+              <a:buFontTx/>
+              <a:buNone/>
+              <a:tabLst/>
+              <a:defRPr/>
+            </a:pPr>
+            <a:r>
+              <a:rPr kumimoji="0" lang="en-GB" sz="1800" b="0" i="0" u="none" strike="noStrike" kern="1200" cap="none" spc="0" normalizeH="0" baseline="0" noProof="0" dirty="0">
+                <a:ln>
+                  <a:noFill/>
+                </a:ln>
+                <a:effectLst/>
+                <a:uLnTx/>
+                <a:uFillTx/>
+                <a:latin typeface="Calibri" panose="020F0502020204030204"/>
+                <a:ea typeface="+mn-ea"/>
+                <a:cs typeface="+mn-cs"/>
+              </a:rPr>
+              <a:t>Back-Test Your Strategies</a:t>
+            </a:r>
+          </a:p>
+        </p:txBody>
+      </p:sp>
+      <p:sp>
+        <p:nvSpPr>
+          <p:cNvPr id="14" name="TextBox 13">
+            <a:extLst>
+              <a:ext uri="{FF2B5EF4-FFF2-40B4-BE49-F238E27FC236}">
+                <a16:creationId xmlns:a16="http://schemas.microsoft.com/office/drawing/2014/main" id="{BA35C2C5-C1E3-F880-A996-CD62EDB901E3}"/>
+              </a:ext>
+            </a:extLst>
+          </p:cNvPr>
+          <p:cNvSpPr txBox="1"/>
+          <p:nvPr/>
+        </p:nvSpPr>
+        <p:spPr>
+          <a:xfrm>
+            <a:off x="4015466" y="1257300"/>
+            <a:ext cx="938894" cy="369332"/>
+          </a:xfrm>
+          <a:prstGeom prst="rect">
+            <a:avLst/>
+          </a:prstGeom>
+          <a:noFill/>
+        </p:spPr>
+        <p:txBody>
+          <a:bodyPr wrap="square" rtlCol="0">
+            <a:spAutoFit/>
+          </a:bodyPr>
+          <a:lstStyle/>
+          <a:p>
+            <a:pPr marL="0" marR="0" lvl="0" indent="0" algn="l" defTabSz="914400" rtl="0" eaLnBrk="1" fontAlgn="auto" latinLnBrk="0" hangingPunct="1">
+              <a:lnSpc>
+                <a:spcPct val="100000"/>
+              </a:lnSpc>
+              <a:spcBef>
+                <a:spcPts val="0"/>
+              </a:spcBef>
+              <a:spcAft>
+                <a:spcPts val="0"/>
+              </a:spcAft>
+              <a:buClrTx/>
+              <a:buSzTx/>
+              <a:buFontTx/>
+              <a:buNone/>
+              <a:tabLst/>
+              <a:defRPr/>
+            </a:pPr>
+            <a:r>
+              <a:rPr kumimoji="0" lang="en-GB" sz="1800" b="0" i="0" u="none" strike="noStrike" kern="1200" cap="none" spc="0" normalizeH="0" baseline="0" noProof="0" dirty="0">
+                <a:ln>
+                  <a:noFill/>
+                </a:ln>
+                <a:effectLst/>
+                <a:uLnTx/>
+                <a:uFillTx/>
+                <a:latin typeface="Calibri" panose="020F0502020204030204"/>
+                <a:ea typeface="+mn-ea"/>
+                <a:cs typeface="+mn-cs"/>
+              </a:rPr>
+              <a:t>Symbol:</a:t>
+            </a:r>
+          </a:p>
+        </p:txBody>
+      </p:sp>
+      <p:sp>
+        <p:nvSpPr>
+          <p:cNvPr id="15" name="TextBox 14">
+            <a:extLst>
+              <a:ext uri="{FF2B5EF4-FFF2-40B4-BE49-F238E27FC236}">
+                <a16:creationId xmlns:a16="http://schemas.microsoft.com/office/drawing/2014/main" id="{1EC4C14D-EDD0-6264-95E4-39E0B4F3F228}"/>
+              </a:ext>
+            </a:extLst>
+          </p:cNvPr>
+          <p:cNvSpPr txBox="1"/>
+          <p:nvPr/>
+        </p:nvSpPr>
+        <p:spPr>
+          <a:xfrm>
+            <a:off x="4954360" y="1257300"/>
+            <a:ext cx="3250747" cy="369332"/>
+          </a:xfrm>
+          <a:prstGeom prst="rect">
+            <a:avLst/>
+          </a:prstGeom>
+          <a:noFill/>
+          <a:ln>
+            <a:solidFill>
+              <a:schemeClr val="tx1"/>
+            </a:solidFill>
+          </a:ln>
+        </p:spPr>
+        <p:txBody>
+          <a:bodyPr wrap="square" rtlCol="0">
+            <a:spAutoFit/>
+          </a:bodyPr>
+          <a:lstStyle/>
+          <a:p>
+            <a:pPr marL="0" marR="0" lvl="0" indent="0" algn="l" defTabSz="914400" rtl="0" eaLnBrk="1" fontAlgn="auto" latinLnBrk="0" hangingPunct="1">
+              <a:lnSpc>
+                <a:spcPct val="100000"/>
+              </a:lnSpc>
+              <a:spcBef>
+                <a:spcPts val="0"/>
+              </a:spcBef>
+              <a:spcAft>
+                <a:spcPts val="0"/>
+              </a:spcAft>
+              <a:buClrTx/>
+              <a:buSzTx/>
+              <a:buFontTx/>
+              <a:buNone/>
+              <a:tabLst/>
+              <a:defRPr/>
+            </a:pPr>
+            <a:r>
+              <a:rPr kumimoji="0" lang="en-GB" sz="1800" b="0" i="0" u="none" strike="noStrike" kern="1200" cap="none" spc="0" normalizeH="0" baseline="0" noProof="0" dirty="0">
+                <a:ln>
+                  <a:noFill/>
+                </a:ln>
+                <a:effectLst/>
+                <a:uLnTx/>
+                <a:uFillTx/>
+                <a:latin typeface="Calibri" panose="020F0502020204030204"/>
+                <a:ea typeface="+mn-ea"/>
+                <a:cs typeface="+mn-cs"/>
+              </a:rPr>
+              <a:t>AAPL</a:t>
+            </a:r>
+          </a:p>
+        </p:txBody>
+      </p:sp>
+      <p:pic>
+        <p:nvPicPr>
+          <p:cNvPr id="17" name="Picture 16">
+            <a:extLst>
+              <a:ext uri="{FF2B5EF4-FFF2-40B4-BE49-F238E27FC236}">
+                <a16:creationId xmlns:a16="http://schemas.microsoft.com/office/drawing/2014/main" id="{A3E0E269-AD22-2731-4B12-B9176794FD41}"/>
+              </a:ext>
+            </a:extLst>
+          </p:cNvPr>
+          <p:cNvPicPr>
+            <a:picLocks noChangeAspect="1"/>
+          </p:cNvPicPr>
+          <p:nvPr/>
+        </p:nvPicPr>
+        <p:blipFill>
+          <a:blip r:embed="rId4">
+            <a:extLst>
+              <a:ext uri="{28A0092B-C50C-407E-A947-70E740481C1C}">
+                <a14:useLocalDpi xmlns:a14="http://schemas.microsoft.com/office/drawing/2010/main" val="0"/>
+              </a:ext>
+            </a:extLst>
+          </a:blip>
+          <a:srcRect/>
+          <a:stretch/>
+        </p:blipFill>
+        <p:spPr>
+          <a:xfrm>
+            <a:off x="7913914" y="1327666"/>
+            <a:ext cx="228600" cy="228600"/>
+          </a:xfrm>
+          <a:prstGeom prst="rect">
+            <a:avLst/>
+          </a:prstGeom>
+        </p:spPr>
+      </p:pic>
+      <p:pic>
+        <p:nvPicPr>
+          <p:cNvPr id="19" name="Picture 18">
+            <a:extLst>
+              <a:ext uri="{FF2B5EF4-FFF2-40B4-BE49-F238E27FC236}">
+                <a16:creationId xmlns:a16="http://schemas.microsoft.com/office/drawing/2014/main" id="{764A9CA3-CF13-50EE-6B6E-F626ED839169}"/>
+              </a:ext>
+            </a:extLst>
+          </p:cNvPr>
+          <p:cNvPicPr>
+            <a:picLocks noChangeAspect="1"/>
+          </p:cNvPicPr>
+          <p:nvPr/>
+        </p:nvPicPr>
+        <p:blipFill>
+          <a:blip r:embed="rId5">
+            <a:extLst>
+              <a:ext uri="{28A0092B-C50C-407E-A947-70E740481C1C}">
+                <a14:useLocalDpi xmlns:a14="http://schemas.microsoft.com/office/drawing/2010/main" val="0"/>
+              </a:ext>
+            </a:extLst>
+          </a:blip>
+          <a:srcRect/>
+          <a:stretch/>
+        </p:blipFill>
+        <p:spPr>
+          <a:xfrm>
+            <a:off x="8349343" y="1327666"/>
+            <a:ext cx="228600" cy="228600"/>
+          </a:xfrm>
+          <a:prstGeom prst="rect">
+            <a:avLst/>
+          </a:prstGeom>
+        </p:spPr>
+      </p:pic>
+      <p:sp>
+        <p:nvSpPr>
+          <p:cNvPr id="20" name="TextBox 19">
+            <a:extLst>
+              <a:ext uri="{FF2B5EF4-FFF2-40B4-BE49-F238E27FC236}">
+                <a16:creationId xmlns:a16="http://schemas.microsoft.com/office/drawing/2014/main" id="{60B43C9E-0C59-6AB2-24FA-CE055EF2C6BE}"/>
+              </a:ext>
+            </a:extLst>
+          </p:cNvPr>
+          <p:cNvSpPr txBox="1"/>
+          <p:nvPr/>
+        </p:nvSpPr>
+        <p:spPr>
+          <a:xfrm>
+            <a:off x="4954360" y="1834243"/>
+            <a:ext cx="3250747" cy="369332"/>
+          </a:xfrm>
+          <a:prstGeom prst="rect">
+            <a:avLst/>
+          </a:prstGeom>
+          <a:noFill/>
+          <a:ln>
+            <a:solidFill>
+              <a:schemeClr val="tx1"/>
+            </a:solidFill>
+          </a:ln>
+        </p:spPr>
+        <p:txBody>
+          <a:bodyPr wrap="square" rtlCol="0">
+            <a:spAutoFit/>
+          </a:bodyPr>
+          <a:lstStyle/>
+          <a:p>
+            <a:pPr marL="0" marR="0" lvl="0" indent="0" algn="l" defTabSz="914400" rtl="0" eaLnBrk="1" fontAlgn="auto" latinLnBrk="0" hangingPunct="1">
+              <a:lnSpc>
+                <a:spcPct val="100000"/>
+              </a:lnSpc>
+              <a:spcBef>
+                <a:spcPts val="0"/>
+              </a:spcBef>
+              <a:spcAft>
+                <a:spcPts val="0"/>
+              </a:spcAft>
+              <a:buClrTx/>
+              <a:buSzTx/>
+              <a:buFontTx/>
+              <a:buNone/>
+              <a:tabLst/>
+              <a:defRPr/>
+            </a:pPr>
+            <a:r>
+              <a:rPr kumimoji="0" lang="en-GB" sz="1800" b="0" i="0" u="none" strike="noStrike" kern="1200" cap="none" spc="0" normalizeH="0" baseline="0" noProof="0" dirty="0">
+                <a:ln>
+                  <a:noFill/>
+                </a:ln>
+                <a:effectLst/>
+                <a:uLnTx/>
+                <a:uFillTx/>
+                <a:latin typeface="Calibri" panose="020F0502020204030204"/>
+                <a:ea typeface="+mn-ea"/>
+                <a:cs typeface="+mn-cs"/>
+              </a:rPr>
+              <a:t>Long</a:t>
+            </a:r>
+          </a:p>
+        </p:txBody>
+      </p:sp>
+      <p:sp>
+        <p:nvSpPr>
+          <p:cNvPr id="21" name="TextBox 20">
+            <a:extLst>
+              <a:ext uri="{FF2B5EF4-FFF2-40B4-BE49-F238E27FC236}">
+                <a16:creationId xmlns:a16="http://schemas.microsoft.com/office/drawing/2014/main" id="{73E08E34-CC87-93D3-98D6-22C61F5EA4EF}"/>
+              </a:ext>
+            </a:extLst>
+          </p:cNvPr>
+          <p:cNvSpPr txBox="1"/>
+          <p:nvPr/>
+        </p:nvSpPr>
+        <p:spPr>
+          <a:xfrm>
+            <a:off x="3943350" y="1834243"/>
+            <a:ext cx="1011010" cy="369332"/>
+          </a:xfrm>
+          <a:prstGeom prst="rect">
+            <a:avLst/>
+          </a:prstGeom>
+          <a:noFill/>
+        </p:spPr>
+        <p:txBody>
+          <a:bodyPr wrap="square" rtlCol="0">
+            <a:spAutoFit/>
+          </a:bodyPr>
+          <a:lstStyle/>
+          <a:p>
+            <a:pPr marL="0" marR="0" lvl="0" indent="0" algn="l" defTabSz="914400" rtl="0" eaLnBrk="1" fontAlgn="auto" latinLnBrk="0" hangingPunct="1">
+              <a:lnSpc>
+                <a:spcPct val="100000"/>
+              </a:lnSpc>
+              <a:spcBef>
+                <a:spcPts val="0"/>
+              </a:spcBef>
+              <a:spcAft>
+                <a:spcPts val="0"/>
+              </a:spcAft>
+              <a:buClrTx/>
+              <a:buSzTx/>
+              <a:buFontTx/>
+              <a:buNone/>
+              <a:tabLst/>
+              <a:defRPr/>
+            </a:pPr>
+            <a:r>
+              <a:rPr kumimoji="0" lang="en-GB" sz="1800" b="0" i="0" u="none" strike="noStrike" kern="1200" cap="none" spc="0" normalizeH="0" baseline="0" noProof="0" dirty="0">
+                <a:ln>
+                  <a:noFill/>
+                </a:ln>
+                <a:effectLst/>
+                <a:uLnTx/>
+                <a:uFillTx/>
+                <a:latin typeface="Calibri" panose="020F0502020204030204"/>
+                <a:ea typeface="+mn-ea"/>
+                <a:cs typeface="+mn-cs"/>
+              </a:rPr>
+              <a:t>Position:</a:t>
+            </a:r>
+          </a:p>
+        </p:txBody>
+      </p:sp>
+      <p:pic>
+        <p:nvPicPr>
+          <p:cNvPr id="22" name="Picture 21">
+            <a:extLst>
+              <a:ext uri="{FF2B5EF4-FFF2-40B4-BE49-F238E27FC236}">
+                <a16:creationId xmlns:a16="http://schemas.microsoft.com/office/drawing/2014/main" id="{AF83F8C5-3D2B-DBAB-9EE2-C8A23F1A6C20}"/>
+              </a:ext>
+            </a:extLst>
+          </p:cNvPr>
+          <p:cNvPicPr>
+            <a:picLocks noChangeAspect="1"/>
+          </p:cNvPicPr>
+          <p:nvPr/>
+        </p:nvPicPr>
+        <p:blipFill>
+          <a:blip r:embed="rId4">
+            <a:extLst>
+              <a:ext uri="{28A0092B-C50C-407E-A947-70E740481C1C}">
+                <a14:useLocalDpi xmlns:a14="http://schemas.microsoft.com/office/drawing/2010/main" val="0"/>
+              </a:ext>
+            </a:extLst>
+          </a:blip>
+          <a:srcRect/>
+          <a:stretch/>
+        </p:blipFill>
+        <p:spPr>
+          <a:xfrm>
+            <a:off x="7913914" y="1904609"/>
+            <a:ext cx="228600" cy="228600"/>
+          </a:xfrm>
+          <a:prstGeom prst="rect">
+            <a:avLst/>
+          </a:prstGeom>
+        </p:spPr>
+      </p:pic>
+      <p:sp>
+        <p:nvSpPr>
+          <p:cNvPr id="2" name="TextBox 1">
+            <a:extLst>
+              <a:ext uri="{FF2B5EF4-FFF2-40B4-BE49-F238E27FC236}">
+                <a16:creationId xmlns:a16="http://schemas.microsoft.com/office/drawing/2014/main" id="{A09A0BAB-CA38-526D-9AA8-5C0ADA33968A}"/>
+              </a:ext>
+            </a:extLst>
+          </p:cNvPr>
+          <p:cNvSpPr txBox="1"/>
+          <p:nvPr/>
+        </p:nvSpPr>
+        <p:spPr>
+          <a:xfrm>
+            <a:off x="3943349" y="2405743"/>
+            <a:ext cx="1011010" cy="369332"/>
+          </a:xfrm>
+          <a:prstGeom prst="rect">
+            <a:avLst/>
+          </a:prstGeom>
+          <a:noFill/>
+        </p:spPr>
+        <p:txBody>
+          <a:bodyPr wrap="square" rtlCol="0">
+            <a:spAutoFit/>
+          </a:bodyPr>
+          <a:lstStyle/>
+          <a:p>
+            <a:pPr marL="0" marR="0" lvl="0" indent="0" algn="l" defTabSz="914400" rtl="0" eaLnBrk="1" fontAlgn="auto" latinLnBrk="0" hangingPunct="1">
+              <a:lnSpc>
+                <a:spcPct val="100000"/>
+              </a:lnSpc>
+              <a:spcBef>
+                <a:spcPts val="0"/>
+              </a:spcBef>
+              <a:spcAft>
+                <a:spcPts val="0"/>
+              </a:spcAft>
+              <a:buClrTx/>
+              <a:buSzTx/>
+              <a:buFontTx/>
+              <a:buNone/>
+              <a:tabLst/>
+              <a:defRPr/>
+            </a:pPr>
+            <a:r>
+              <a:rPr kumimoji="0" lang="en-GB" sz="1800" b="0" i="0" u="none" strike="noStrike" kern="1200" cap="none" spc="0" normalizeH="0" baseline="0" noProof="0" dirty="0">
+                <a:ln>
+                  <a:noFill/>
+                </a:ln>
+                <a:effectLst/>
+                <a:uLnTx/>
+                <a:uFillTx/>
+                <a:latin typeface="Calibri" panose="020F0502020204030204"/>
+                <a:ea typeface="+mn-ea"/>
+                <a:cs typeface="+mn-cs"/>
+              </a:rPr>
+              <a:t>Strategy:</a:t>
+            </a:r>
+          </a:p>
+        </p:txBody>
+      </p:sp>
+      <p:sp>
+        <p:nvSpPr>
+          <p:cNvPr id="3" name="TextBox 2">
+            <a:extLst>
+              <a:ext uri="{FF2B5EF4-FFF2-40B4-BE49-F238E27FC236}">
+                <a16:creationId xmlns:a16="http://schemas.microsoft.com/office/drawing/2014/main" id="{91B126EF-DFD8-CE0C-F09E-F4E58B6C92E7}"/>
+              </a:ext>
+            </a:extLst>
+          </p:cNvPr>
+          <p:cNvSpPr txBox="1"/>
+          <p:nvPr/>
+        </p:nvSpPr>
+        <p:spPr>
+          <a:xfrm>
+            <a:off x="4954359" y="2411186"/>
+            <a:ext cx="3250747" cy="369332"/>
+          </a:xfrm>
+          <a:prstGeom prst="rect">
+            <a:avLst/>
+          </a:prstGeom>
+          <a:noFill/>
+          <a:ln>
+            <a:solidFill>
+              <a:schemeClr val="tx1"/>
+            </a:solidFill>
+          </a:ln>
+        </p:spPr>
+        <p:txBody>
+          <a:bodyPr wrap="square" rtlCol="0">
+            <a:spAutoFit/>
+          </a:bodyPr>
+          <a:lstStyle/>
+          <a:p>
+            <a:pPr marL="0" marR="0" lvl="0" indent="0" algn="l" defTabSz="914400" rtl="0" eaLnBrk="1" fontAlgn="auto" latinLnBrk="0" hangingPunct="1">
+              <a:lnSpc>
+                <a:spcPct val="100000"/>
+              </a:lnSpc>
+              <a:spcBef>
+                <a:spcPts val="0"/>
+              </a:spcBef>
+              <a:spcAft>
+                <a:spcPts val="0"/>
+              </a:spcAft>
+              <a:buClrTx/>
+              <a:buSzTx/>
+              <a:buFontTx/>
+              <a:buNone/>
+              <a:tabLst/>
+              <a:defRPr/>
+            </a:pPr>
+            <a:r>
+              <a:rPr kumimoji="0" lang="en-GB" sz="1800" b="0" i="0" u="none" strike="noStrike" kern="1200" cap="none" spc="0" normalizeH="0" baseline="0" noProof="0" dirty="0">
+                <a:ln>
+                  <a:noFill/>
+                </a:ln>
+                <a:effectLst/>
+                <a:uLnTx/>
+                <a:uFillTx/>
+                <a:latin typeface="Calibri" panose="020F0502020204030204"/>
+                <a:ea typeface="+mn-ea"/>
+                <a:cs typeface="+mn-cs"/>
+              </a:rPr>
+              <a:t>RSI overbought/oversold</a:t>
+            </a:r>
+          </a:p>
+        </p:txBody>
+      </p:sp>
+      <p:pic>
+        <p:nvPicPr>
+          <p:cNvPr id="4" name="Picture 3">
+            <a:extLst>
+              <a:ext uri="{FF2B5EF4-FFF2-40B4-BE49-F238E27FC236}">
+                <a16:creationId xmlns:a16="http://schemas.microsoft.com/office/drawing/2014/main" id="{A832A5AF-F9E4-D6C3-D24E-3C996D8D35C2}"/>
+              </a:ext>
+            </a:extLst>
+          </p:cNvPr>
+          <p:cNvPicPr>
+            <a:picLocks noChangeAspect="1"/>
+          </p:cNvPicPr>
+          <p:nvPr/>
+        </p:nvPicPr>
+        <p:blipFill>
+          <a:blip r:embed="rId4">
+            <a:extLst>
+              <a:ext uri="{28A0092B-C50C-407E-A947-70E740481C1C}">
+                <a14:useLocalDpi xmlns:a14="http://schemas.microsoft.com/office/drawing/2010/main" val="0"/>
+              </a:ext>
+            </a:extLst>
+          </a:blip>
+          <a:srcRect/>
+          <a:stretch/>
+        </p:blipFill>
+        <p:spPr>
+          <a:xfrm>
+            <a:off x="7913914" y="2483882"/>
+            <a:ext cx="228600" cy="228600"/>
+          </a:xfrm>
+          <a:prstGeom prst="rect">
+            <a:avLst/>
+          </a:prstGeom>
+        </p:spPr>
+      </p:pic>
+      <p:sp>
+        <p:nvSpPr>
+          <p:cNvPr id="18" name="TextBox 17">
+            <a:extLst>
+              <a:ext uri="{FF2B5EF4-FFF2-40B4-BE49-F238E27FC236}">
+                <a16:creationId xmlns:a16="http://schemas.microsoft.com/office/drawing/2014/main" id="{594C4836-6553-DB4E-879F-B6979E7E378A}"/>
+              </a:ext>
+            </a:extLst>
+          </p:cNvPr>
+          <p:cNvSpPr txBox="1"/>
+          <p:nvPr/>
+        </p:nvSpPr>
+        <p:spPr>
+          <a:xfrm>
+            <a:off x="5610568" y="4073978"/>
+            <a:ext cx="1719942" cy="369332"/>
+          </a:xfrm>
+          <a:prstGeom prst="rect">
+            <a:avLst/>
+          </a:prstGeom>
+          <a:noFill/>
+        </p:spPr>
+        <p:txBody>
+          <a:bodyPr wrap="square" rtlCol="0">
+            <a:spAutoFit/>
+          </a:bodyPr>
+          <a:lstStyle/>
+          <a:p>
+            <a:pPr marL="0" marR="0" lvl="0" indent="0" algn="ctr" defTabSz="914400" rtl="0" eaLnBrk="1" fontAlgn="auto" latinLnBrk="0" hangingPunct="1">
+              <a:lnSpc>
+                <a:spcPct val="100000"/>
+              </a:lnSpc>
+              <a:spcBef>
+                <a:spcPts val="0"/>
+              </a:spcBef>
+              <a:spcAft>
+                <a:spcPts val="0"/>
+              </a:spcAft>
+              <a:buClrTx/>
+              <a:buSzTx/>
+              <a:buFontTx/>
+              <a:buNone/>
+              <a:tabLst/>
+              <a:defRPr/>
+            </a:pPr>
+            <a:r>
+              <a:rPr kumimoji="0" lang="en-GB" sz="1800" b="0" i="0" u="none" strike="noStrike" kern="1200" cap="none" spc="0" normalizeH="0" baseline="0" noProof="0" dirty="0">
+                <a:ln>
+                  <a:noFill/>
+                </a:ln>
+                <a:effectLst/>
+                <a:uLnTx/>
+                <a:uFillTx/>
+                <a:latin typeface="Calibri" panose="020F0502020204030204"/>
+                <a:ea typeface="+mn-ea"/>
+                <a:cs typeface="+mn-cs"/>
+              </a:rPr>
+              <a:t>P&amp;L: $200.57</a:t>
+            </a:r>
+          </a:p>
+        </p:txBody>
+      </p:sp>
+      <p:sp>
+        <p:nvSpPr>
+          <p:cNvPr id="23" name="TextBox 22">
+            <a:extLst>
+              <a:ext uri="{FF2B5EF4-FFF2-40B4-BE49-F238E27FC236}">
+                <a16:creationId xmlns:a16="http://schemas.microsoft.com/office/drawing/2014/main" id="{4FE1824C-56C4-BDF5-86FC-A1D64C456382}"/>
+              </a:ext>
+            </a:extLst>
+          </p:cNvPr>
+          <p:cNvSpPr txBox="1"/>
+          <p:nvPr/>
+        </p:nvSpPr>
+        <p:spPr>
+          <a:xfrm>
+            <a:off x="5466668" y="4588327"/>
+            <a:ext cx="2226128" cy="369332"/>
+          </a:xfrm>
+          <a:prstGeom prst="rect">
+            <a:avLst/>
+          </a:prstGeom>
+          <a:noFill/>
+        </p:spPr>
+        <p:txBody>
+          <a:bodyPr wrap="square" rtlCol="0">
+            <a:spAutoFit/>
+          </a:bodyPr>
+          <a:lstStyle/>
+          <a:p>
+            <a:pPr marL="0" marR="0" lvl="0" indent="0" algn="ctr" defTabSz="914400" rtl="0" eaLnBrk="1" fontAlgn="auto" latinLnBrk="0" hangingPunct="1">
+              <a:lnSpc>
+                <a:spcPct val="100000"/>
+              </a:lnSpc>
+              <a:spcBef>
+                <a:spcPts val="0"/>
+              </a:spcBef>
+              <a:spcAft>
+                <a:spcPts val="0"/>
+              </a:spcAft>
+              <a:buClrTx/>
+              <a:buSzTx/>
+              <a:buFontTx/>
+              <a:buNone/>
+              <a:tabLst/>
+              <a:defRPr/>
+            </a:pPr>
+            <a:r>
+              <a:rPr kumimoji="0" lang="en-GB" sz="1800" b="0" i="0" u="none" strike="noStrike" kern="1200" cap="none" spc="0" normalizeH="0" baseline="0" noProof="0" dirty="0">
+                <a:ln>
+                  <a:noFill/>
+                </a:ln>
+                <a:effectLst/>
+                <a:uLnTx/>
+                <a:uFillTx/>
+                <a:latin typeface="Calibri" panose="020F0502020204030204"/>
+                <a:ea typeface="+mn-ea"/>
+                <a:cs typeface="+mn-cs"/>
+              </a:rPr>
+              <a:t>Winning %: 54.21%</a:t>
+            </a:r>
+          </a:p>
+        </p:txBody>
+      </p:sp>
+      <p:sp>
+        <p:nvSpPr>
+          <p:cNvPr id="5" name="TextBox 4">
+            <a:extLst>
+              <a:ext uri="{FF2B5EF4-FFF2-40B4-BE49-F238E27FC236}">
+                <a16:creationId xmlns:a16="http://schemas.microsoft.com/office/drawing/2014/main" id="{70B62A95-2E2C-BE6E-1209-43028783F6FD}"/>
+              </a:ext>
+            </a:extLst>
+          </p:cNvPr>
+          <p:cNvSpPr txBox="1"/>
+          <p:nvPr/>
+        </p:nvSpPr>
+        <p:spPr>
+          <a:xfrm>
+            <a:off x="3425257" y="2977243"/>
+            <a:ext cx="1928814" cy="369332"/>
+          </a:xfrm>
+          <a:prstGeom prst="rect">
+            <a:avLst/>
+          </a:prstGeom>
+          <a:noFill/>
+        </p:spPr>
+        <p:txBody>
+          <a:bodyPr wrap="square" rtlCol="0">
+            <a:spAutoFit/>
+          </a:bodyPr>
+          <a:lstStyle/>
+          <a:p>
+            <a:pPr marL="0" marR="0" lvl="0" indent="0" algn="l" defTabSz="914400" rtl="0" eaLnBrk="1" fontAlgn="auto" latinLnBrk="0" hangingPunct="1">
+              <a:lnSpc>
+                <a:spcPct val="100000"/>
+              </a:lnSpc>
+              <a:spcBef>
+                <a:spcPts val="0"/>
+              </a:spcBef>
+              <a:spcAft>
+                <a:spcPts val="0"/>
+              </a:spcAft>
+              <a:buClrTx/>
+              <a:buSzTx/>
+              <a:buFontTx/>
+              <a:buNone/>
+              <a:tabLst/>
+              <a:defRPr/>
+            </a:pPr>
+            <a:r>
+              <a:rPr kumimoji="0" lang="en-GB" sz="1800" b="0" i="0" u="none" strike="noStrike" kern="1200" cap="none" spc="0" normalizeH="0" baseline="0" noProof="0" dirty="0">
+                <a:ln>
+                  <a:noFill/>
+                </a:ln>
+                <a:effectLst/>
+                <a:uLnTx/>
+                <a:uFillTx/>
+                <a:latin typeface="Calibri" panose="020F0502020204030204"/>
+                <a:ea typeface="+mn-ea"/>
+                <a:cs typeface="+mn-cs"/>
+              </a:rPr>
+              <a:t>Overbought Level:</a:t>
+            </a:r>
+          </a:p>
+        </p:txBody>
+      </p:sp>
+      <p:sp>
+        <p:nvSpPr>
+          <p:cNvPr id="6" name="TextBox 5">
+            <a:extLst>
+              <a:ext uri="{FF2B5EF4-FFF2-40B4-BE49-F238E27FC236}">
+                <a16:creationId xmlns:a16="http://schemas.microsoft.com/office/drawing/2014/main" id="{70895644-6D29-8A91-6AD5-37FAF1BCF081}"/>
+              </a:ext>
+            </a:extLst>
+          </p:cNvPr>
+          <p:cNvSpPr txBox="1"/>
+          <p:nvPr/>
+        </p:nvSpPr>
+        <p:spPr>
+          <a:xfrm>
+            <a:off x="6470539" y="2977243"/>
+            <a:ext cx="1624692" cy="369332"/>
+          </a:xfrm>
+          <a:prstGeom prst="rect">
+            <a:avLst/>
+          </a:prstGeom>
+          <a:noFill/>
+        </p:spPr>
+        <p:txBody>
+          <a:bodyPr wrap="square" rtlCol="0">
+            <a:spAutoFit/>
+          </a:bodyPr>
+          <a:lstStyle/>
+          <a:p>
+            <a:pPr marL="0" marR="0" lvl="0" indent="0" algn="l" defTabSz="914400" rtl="0" eaLnBrk="1" fontAlgn="auto" latinLnBrk="0" hangingPunct="1">
+              <a:lnSpc>
+                <a:spcPct val="100000"/>
+              </a:lnSpc>
+              <a:spcBef>
+                <a:spcPts val="0"/>
+              </a:spcBef>
+              <a:spcAft>
+                <a:spcPts val="0"/>
+              </a:spcAft>
+              <a:buClrTx/>
+              <a:buSzTx/>
+              <a:buFontTx/>
+              <a:buNone/>
+              <a:tabLst/>
+              <a:defRPr/>
+            </a:pPr>
+            <a:r>
+              <a:rPr kumimoji="0" lang="en-GB" sz="1800" b="0" i="0" u="none" strike="noStrike" kern="1200" cap="none" spc="0" normalizeH="0" baseline="0" noProof="0" dirty="0">
+                <a:ln>
+                  <a:noFill/>
+                </a:ln>
+                <a:effectLst/>
+                <a:uLnTx/>
+                <a:uFillTx/>
+                <a:latin typeface="Calibri" panose="020F0502020204030204"/>
+                <a:ea typeface="+mn-ea"/>
+                <a:cs typeface="+mn-cs"/>
+              </a:rPr>
+              <a:t>Oversold Level:</a:t>
+            </a:r>
+          </a:p>
+        </p:txBody>
+      </p:sp>
+      <p:sp>
+        <p:nvSpPr>
+          <p:cNvPr id="24" name="TextBox 23">
+            <a:extLst>
+              <a:ext uri="{FF2B5EF4-FFF2-40B4-BE49-F238E27FC236}">
+                <a16:creationId xmlns:a16="http://schemas.microsoft.com/office/drawing/2014/main" id="{D9AA8ABE-A0A4-A6AD-3855-3B4A8CD5877F}"/>
+              </a:ext>
+            </a:extLst>
+          </p:cNvPr>
+          <p:cNvSpPr txBox="1"/>
+          <p:nvPr/>
+        </p:nvSpPr>
+        <p:spPr>
+          <a:xfrm>
+            <a:off x="5354071" y="2977243"/>
+            <a:ext cx="642257" cy="369332"/>
+          </a:xfrm>
+          <a:prstGeom prst="rect">
+            <a:avLst/>
+          </a:prstGeom>
+          <a:noFill/>
+          <a:ln>
+            <a:solidFill>
+              <a:schemeClr val="tx1"/>
+            </a:solidFill>
+          </a:ln>
+        </p:spPr>
+        <p:txBody>
+          <a:bodyPr wrap="square" rtlCol="0">
+            <a:spAutoFit/>
+          </a:bodyPr>
+          <a:lstStyle/>
+          <a:p>
+            <a:pPr marL="0" marR="0" lvl="0" indent="0" algn="l" defTabSz="914400" rtl="0" eaLnBrk="1" fontAlgn="auto" latinLnBrk="0" hangingPunct="1">
+              <a:lnSpc>
+                <a:spcPct val="100000"/>
+              </a:lnSpc>
+              <a:spcBef>
+                <a:spcPts val="0"/>
+              </a:spcBef>
+              <a:spcAft>
+                <a:spcPts val="0"/>
+              </a:spcAft>
+              <a:buClrTx/>
+              <a:buSzTx/>
+              <a:buFontTx/>
+              <a:buNone/>
+              <a:tabLst/>
+              <a:defRPr/>
+            </a:pPr>
+            <a:r>
+              <a:rPr kumimoji="0" lang="en-GB" sz="1800" b="0" i="0" u="none" strike="noStrike" kern="1200" cap="none" spc="0" normalizeH="0" baseline="0" noProof="0" dirty="0">
+                <a:ln>
+                  <a:noFill/>
+                </a:ln>
+                <a:effectLst/>
+                <a:uLnTx/>
+                <a:uFillTx/>
+                <a:latin typeface="Calibri" panose="020F0502020204030204"/>
+                <a:ea typeface="+mn-ea"/>
+                <a:cs typeface="+mn-cs"/>
+              </a:rPr>
+              <a:t>30</a:t>
+            </a:r>
+          </a:p>
+        </p:txBody>
+      </p:sp>
+      <p:sp>
+        <p:nvSpPr>
+          <p:cNvPr id="25" name="TextBox 24">
+            <a:extLst>
+              <a:ext uri="{FF2B5EF4-FFF2-40B4-BE49-F238E27FC236}">
+                <a16:creationId xmlns:a16="http://schemas.microsoft.com/office/drawing/2014/main" id="{F6E33DFD-2E45-0715-1B7C-5DD07494EC79}"/>
+              </a:ext>
+            </a:extLst>
+          </p:cNvPr>
+          <p:cNvSpPr txBox="1"/>
+          <p:nvPr/>
+        </p:nvSpPr>
+        <p:spPr>
+          <a:xfrm>
+            <a:off x="8095231" y="2990460"/>
+            <a:ext cx="642257" cy="369332"/>
+          </a:xfrm>
+          <a:prstGeom prst="rect">
+            <a:avLst/>
+          </a:prstGeom>
+          <a:noFill/>
+          <a:ln>
+            <a:solidFill>
+              <a:schemeClr val="tx1"/>
+            </a:solidFill>
+          </a:ln>
+        </p:spPr>
+        <p:txBody>
+          <a:bodyPr wrap="square" rtlCol="0">
+            <a:spAutoFit/>
+          </a:bodyPr>
+          <a:lstStyle/>
+          <a:p>
+            <a:pPr marL="0" marR="0" lvl="0" indent="0" algn="l" defTabSz="914400" rtl="0" eaLnBrk="1" fontAlgn="auto" latinLnBrk="0" hangingPunct="1">
+              <a:lnSpc>
+                <a:spcPct val="100000"/>
+              </a:lnSpc>
+              <a:spcBef>
+                <a:spcPts val="0"/>
+              </a:spcBef>
+              <a:spcAft>
+                <a:spcPts val="0"/>
+              </a:spcAft>
+              <a:buClrTx/>
+              <a:buSzTx/>
+              <a:buFontTx/>
+              <a:buNone/>
+              <a:tabLst/>
+              <a:defRPr/>
+            </a:pPr>
+            <a:r>
+              <a:rPr kumimoji="0" lang="en-GB" sz="1800" b="0" i="0" u="none" strike="noStrike" kern="1200" cap="none" spc="0" normalizeH="0" baseline="0" noProof="0" dirty="0">
+                <a:ln>
+                  <a:noFill/>
+                </a:ln>
+                <a:effectLst/>
+                <a:uLnTx/>
+                <a:uFillTx/>
+                <a:latin typeface="Calibri" panose="020F0502020204030204"/>
+                <a:ea typeface="+mn-ea"/>
+                <a:cs typeface="+mn-cs"/>
+              </a:rPr>
+              <a:t>70</a:t>
+            </a:r>
+          </a:p>
+        </p:txBody>
+      </p:sp>
+      <p:sp>
+        <p:nvSpPr>
+          <p:cNvPr id="7" name="TextBox 6">
+            <a:extLst>
+              <a:ext uri="{FF2B5EF4-FFF2-40B4-BE49-F238E27FC236}">
+                <a16:creationId xmlns:a16="http://schemas.microsoft.com/office/drawing/2014/main" id="{B82568ED-BC23-605F-D189-25E2B4D89E5E}"/>
+              </a:ext>
+            </a:extLst>
+          </p:cNvPr>
+          <p:cNvSpPr txBox="1"/>
+          <p:nvPr/>
+        </p:nvSpPr>
+        <p:spPr>
+          <a:xfrm>
+            <a:off x="4954359" y="3559629"/>
+            <a:ext cx="3250747" cy="369332"/>
+          </a:xfrm>
+          <a:prstGeom prst="rect">
+            <a:avLst/>
+          </a:prstGeom>
+          <a:noFill/>
+          <a:ln>
+            <a:solidFill>
+              <a:schemeClr val="tx1"/>
+            </a:solidFill>
+          </a:ln>
+        </p:spPr>
+        <p:txBody>
+          <a:bodyPr wrap="square" rtlCol="0">
+            <a:spAutoFit/>
+          </a:bodyPr>
+          <a:lstStyle/>
+          <a:p>
+            <a:pPr algn="ctr"/>
+            <a:r>
+              <a:rPr lang="en-GB" dirty="0"/>
+              <a:t>Submit</a:t>
+            </a:r>
+          </a:p>
+        </p:txBody>
+      </p:sp>
+    </p:spTree>
+    <p:extLst>
+      <p:ext uri="{BB962C8B-B14F-4D97-AF65-F5344CB8AC3E}">
+        <p14:creationId xmlns:p14="http://schemas.microsoft.com/office/powerpoint/2010/main" val="620952925"/>
+      </p:ext>
+    </p:extLst>
+  </p:cSld>
+  <p:clrMapOvr>
+    <a:masterClrMapping/>
+  </p:clrMapOvr>
+</p:sld>
+</file>
+
+<file path=ppt/slides/slide9.xml><?xml version="1.0" encoding="utf-8"?>
+<p:sld xmlns:a="http://schemas.openxmlformats.org/drawingml/2006/main" xmlns:r="http://schemas.openxmlformats.org/officeDocument/2006/relationships" xmlns:p="http://schemas.openxmlformats.org/presentationml/2006/main">
+  <p:cSld>
+    <p:spTree>
+      <p:nvGrpSpPr>
+        <p:cNvPr id="1" name=""/>
+        <p:cNvGrpSpPr/>
+        <p:nvPr/>
+      </p:nvGrpSpPr>
+      <p:grpSpPr>
+        <a:xfrm>
+          <a:off x="0" y="0"/>
+          <a:ext cx="0" cy="0"/>
+          <a:chOff x="0" y="0"/>
+          <a:chExt cx="0" cy="0"/>
+        </a:xfrm>
+      </p:grpSpPr>
+      <p:pic>
+        <p:nvPicPr>
+          <p:cNvPr id="8" name="Picture 7">
+            <a:extLst>
+              <a:ext uri="{FF2B5EF4-FFF2-40B4-BE49-F238E27FC236}">
+                <a16:creationId xmlns:a16="http://schemas.microsoft.com/office/drawing/2014/main" id="{2178BBA3-13E3-64E3-5B7C-65EE06028D61}"/>
+              </a:ext>
+            </a:extLst>
+          </p:cNvPr>
+          <p:cNvPicPr>
+            <a:picLocks noChangeAspect="1"/>
+          </p:cNvPicPr>
+          <p:nvPr/>
+        </p:nvPicPr>
+        <p:blipFill>
+          <a:blip r:embed="rId2">
+            <a:extLst>
+              <a:ext uri="{28A0092B-C50C-407E-A947-70E740481C1C}">
+                <a14:useLocalDpi xmlns:a14="http://schemas.microsoft.com/office/drawing/2010/main" val="0"/>
+              </a:ext>
+            </a:extLst>
+          </a:blip>
+          <a:srcRect/>
+          <a:stretch/>
+        </p:blipFill>
+        <p:spPr>
+          <a:xfrm>
+            <a:off x="11753850" y="295484"/>
+            <a:ext cx="228600" cy="228600"/>
+          </a:xfrm>
+          <a:prstGeom prst="rect">
+            <a:avLst/>
+          </a:prstGeom>
+        </p:spPr>
+      </p:pic>
+      <p:pic>
+        <p:nvPicPr>
+          <p:cNvPr id="10" name="Picture 9">
+            <a:extLst>
+              <a:ext uri="{FF2B5EF4-FFF2-40B4-BE49-F238E27FC236}">
+                <a16:creationId xmlns:a16="http://schemas.microsoft.com/office/drawing/2014/main" id="{D8BFDA35-FFD0-93CB-AC89-B5EEDB4E4C3C}"/>
+              </a:ext>
+            </a:extLst>
+          </p:cNvPr>
+          <p:cNvPicPr>
+            <a:picLocks noChangeAspect="1"/>
+          </p:cNvPicPr>
+          <p:nvPr/>
+        </p:nvPicPr>
+        <p:blipFill>
+          <a:blip r:embed="rId3">
+            <a:extLst>
+              <a:ext uri="{28A0092B-C50C-407E-A947-70E740481C1C}">
+                <a14:useLocalDpi xmlns:a14="http://schemas.microsoft.com/office/drawing/2010/main" val="0"/>
+              </a:ext>
+            </a:extLst>
+          </a:blip>
+          <a:srcRect l="1933" r="1933"/>
+          <a:stretch/>
+        </p:blipFill>
+        <p:spPr>
+          <a:xfrm>
+            <a:off x="209550" y="112559"/>
+            <a:ext cx="930729" cy="594451"/>
+          </a:xfrm>
+          <a:prstGeom prst="rect">
+            <a:avLst/>
+          </a:prstGeom>
+        </p:spPr>
+      </p:pic>
+      <p:sp>
+        <p:nvSpPr>
+          <p:cNvPr id="13" name="TextBox 12">
+            <a:extLst>
+              <a:ext uri="{FF2B5EF4-FFF2-40B4-BE49-F238E27FC236}">
+                <a16:creationId xmlns:a16="http://schemas.microsoft.com/office/drawing/2014/main" id="{EFF7623C-913B-C167-A035-ECA3F1AF16B3}"/>
+              </a:ext>
+            </a:extLst>
+          </p:cNvPr>
+          <p:cNvSpPr txBox="1"/>
+          <p:nvPr/>
+        </p:nvSpPr>
+        <p:spPr>
+          <a:xfrm>
+            <a:off x="4389664" y="225118"/>
+            <a:ext cx="3412672" cy="369332"/>
+          </a:xfrm>
+          <a:prstGeom prst="rect">
+            <a:avLst/>
+          </a:prstGeom>
+          <a:noFill/>
+        </p:spPr>
+        <p:txBody>
+          <a:bodyPr wrap="square" rtlCol="0">
+            <a:spAutoFit/>
+          </a:bodyPr>
+          <a:lstStyle/>
+          <a:p>
+            <a:pPr marL="0" marR="0" lvl="0" indent="0" algn="ctr" defTabSz="914400" rtl="0" eaLnBrk="1" fontAlgn="auto" latinLnBrk="0" hangingPunct="1">
+              <a:lnSpc>
+                <a:spcPct val="100000"/>
+              </a:lnSpc>
+              <a:spcBef>
+                <a:spcPts val="0"/>
+              </a:spcBef>
+              <a:spcAft>
+                <a:spcPts val="0"/>
+              </a:spcAft>
+              <a:buClrTx/>
+              <a:buSzTx/>
+              <a:buFontTx/>
+              <a:buNone/>
+              <a:tabLst/>
+              <a:defRPr/>
+            </a:pPr>
+            <a:r>
+              <a:rPr kumimoji="0" lang="en-GB" sz="1800" b="0" i="0" u="none" strike="noStrike" kern="1200" cap="none" spc="0" normalizeH="0" baseline="0" noProof="0" dirty="0">
+                <a:ln>
+                  <a:noFill/>
+                </a:ln>
+                <a:effectLst/>
+                <a:uLnTx/>
+                <a:uFillTx/>
+                <a:latin typeface="Calibri" panose="020F0502020204030204"/>
+                <a:ea typeface="+mn-ea"/>
+                <a:cs typeface="+mn-cs"/>
+              </a:rPr>
+              <a:t>Back-Test Your Strategies</a:t>
+            </a:r>
+          </a:p>
+        </p:txBody>
+      </p:sp>
+      <p:sp>
+        <p:nvSpPr>
+          <p:cNvPr id="14" name="TextBox 13">
+            <a:extLst>
+              <a:ext uri="{FF2B5EF4-FFF2-40B4-BE49-F238E27FC236}">
+                <a16:creationId xmlns:a16="http://schemas.microsoft.com/office/drawing/2014/main" id="{BA35C2C5-C1E3-F880-A996-CD62EDB901E3}"/>
+              </a:ext>
+            </a:extLst>
+          </p:cNvPr>
+          <p:cNvSpPr txBox="1"/>
+          <p:nvPr/>
+        </p:nvSpPr>
+        <p:spPr>
+          <a:xfrm>
+            <a:off x="4015466" y="1257300"/>
+            <a:ext cx="938894" cy="369332"/>
+          </a:xfrm>
+          <a:prstGeom prst="rect">
+            <a:avLst/>
+          </a:prstGeom>
+          <a:noFill/>
+        </p:spPr>
+        <p:txBody>
+          <a:bodyPr wrap="square" rtlCol="0">
+            <a:spAutoFit/>
+          </a:bodyPr>
+          <a:lstStyle/>
+          <a:p>
+            <a:pPr marL="0" marR="0" lvl="0" indent="0" algn="l" defTabSz="914400" rtl="0" eaLnBrk="1" fontAlgn="auto" latinLnBrk="0" hangingPunct="1">
+              <a:lnSpc>
+                <a:spcPct val="100000"/>
+              </a:lnSpc>
+              <a:spcBef>
+                <a:spcPts val="0"/>
+              </a:spcBef>
+              <a:spcAft>
+                <a:spcPts val="0"/>
+              </a:spcAft>
+              <a:buClrTx/>
+              <a:buSzTx/>
+              <a:buFontTx/>
+              <a:buNone/>
+              <a:tabLst/>
+              <a:defRPr/>
+            </a:pPr>
+            <a:r>
+              <a:rPr kumimoji="0" lang="en-GB" sz="1800" b="0" i="0" u="none" strike="noStrike" kern="1200" cap="none" spc="0" normalizeH="0" baseline="0" noProof="0" dirty="0">
+                <a:ln>
+                  <a:noFill/>
+                </a:ln>
+                <a:effectLst/>
+                <a:uLnTx/>
+                <a:uFillTx/>
+                <a:latin typeface="Calibri" panose="020F0502020204030204"/>
+                <a:ea typeface="+mn-ea"/>
+                <a:cs typeface="+mn-cs"/>
+              </a:rPr>
+              <a:t>Symbol:</a:t>
+            </a:r>
+          </a:p>
+        </p:txBody>
+      </p:sp>
+      <p:sp>
+        <p:nvSpPr>
+          <p:cNvPr id="15" name="TextBox 14">
+            <a:extLst>
+              <a:ext uri="{FF2B5EF4-FFF2-40B4-BE49-F238E27FC236}">
+                <a16:creationId xmlns:a16="http://schemas.microsoft.com/office/drawing/2014/main" id="{1EC4C14D-EDD0-6264-95E4-39E0B4F3F228}"/>
+              </a:ext>
+            </a:extLst>
+          </p:cNvPr>
+          <p:cNvSpPr txBox="1"/>
+          <p:nvPr/>
+        </p:nvSpPr>
+        <p:spPr>
+          <a:xfrm>
+            <a:off x="4954360" y="1257300"/>
+            <a:ext cx="3250747" cy="369332"/>
+          </a:xfrm>
+          <a:prstGeom prst="rect">
+            <a:avLst/>
+          </a:prstGeom>
+          <a:noFill/>
+          <a:ln>
+            <a:solidFill>
+              <a:schemeClr val="tx1"/>
+            </a:solidFill>
+          </a:ln>
+        </p:spPr>
+        <p:txBody>
+          <a:bodyPr wrap="square" rtlCol="0">
+            <a:spAutoFit/>
+          </a:bodyPr>
+          <a:lstStyle/>
+          <a:p>
+            <a:pPr marL="0" marR="0" lvl="0" indent="0" algn="l" defTabSz="914400" rtl="0" eaLnBrk="1" fontAlgn="auto" latinLnBrk="0" hangingPunct="1">
+              <a:lnSpc>
+                <a:spcPct val="100000"/>
+              </a:lnSpc>
+              <a:spcBef>
+                <a:spcPts val="0"/>
+              </a:spcBef>
+              <a:spcAft>
+                <a:spcPts val="0"/>
+              </a:spcAft>
+              <a:buClrTx/>
+              <a:buSzTx/>
+              <a:buFontTx/>
+              <a:buNone/>
+              <a:tabLst/>
+              <a:defRPr/>
+            </a:pPr>
+            <a:r>
+              <a:rPr kumimoji="0" lang="en-GB" sz="1800" b="0" i="0" u="none" strike="noStrike" kern="1200" cap="none" spc="0" normalizeH="0" baseline="0" noProof="0" dirty="0">
+                <a:ln>
+                  <a:noFill/>
+                </a:ln>
+                <a:effectLst/>
+                <a:uLnTx/>
+                <a:uFillTx/>
+                <a:latin typeface="Calibri" panose="020F0502020204030204"/>
+                <a:ea typeface="+mn-ea"/>
+                <a:cs typeface="+mn-cs"/>
+              </a:rPr>
+              <a:t>AAPL</a:t>
+            </a:r>
+          </a:p>
+        </p:txBody>
+      </p:sp>
+      <p:pic>
+        <p:nvPicPr>
+          <p:cNvPr id="17" name="Picture 16">
+            <a:extLst>
+              <a:ext uri="{FF2B5EF4-FFF2-40B4-BE49-F238E27FC236}">
+                <a16:creationId xmlns:a16="http://schemas.microsoft.com/office/drawing/2014/main" id="{A3E0E269-AD22-2731-4B12-B9176794FD41}"/>
+              </a:ext>
+            </a:extLst>
+          </p:cNvPr>
+          <p:cNvPicPr>
+            <a:picLocks noChangeAspect="1"/>
+          </p:cNvPicPr>
+          <p:nvPr/>
+        </p:nvPicPr>
+        <p:blipFill>
+          <a:blip r:embed="rId4">
+            <a:extLst>
+              <a:ext uri="{28A0092B-C50C-407E-A947-70E740481C1C}">
+                <a14:useLocalDpi xmlns:a14="http://schemas.microsoft.com/office/drawing/2010/main" val="0"/>
+              </a:ext>
+            </a:extLst>
+          </a:blip>
+          <a:srcRect/>
+          <a:stretch/>
+        </p:blipFill>
+        <p:spPr>
+          <a:xfrm>
+            <a:off x="7913914" y="1327666"/>
+            <a:ext cx="228600" cy="228600"/>
+          </a:xfrm>
+          <a:prstGeom prst="rect">
+            <a:avLst/>
+          </a:prstGeom>
+        </p:spPr>
+      </p:pic>
+      <p:pic>
+        <p:nvPicPr>
+          <p:cNvPr id="19" name="Picture 18">
+            <a:extLst>
+              <a:ext uri="{FF2B5EF4-FFF2-40B4-BE49-F238E27FC236}">
+                <a16:creationId xmlns:a16="http://schemas.microsoft.com/office/drawing/2014/main" id="{764A9CA3-CF13-50EE-6B6E-F626ED839169}"/>
+              </a:ext>
+            </a:extLst>
+          </p:cNvPr>
+          <p:cNvPicPr>
+            <a:picLocks noChangeAspect="1"/>
+          </p:cNvPicPr>
+          <p:nvPr/>
+        </p:nvPicPr>
+        <p:blipFill>
+          <a:blip r:embed="rId5">
+            <a:extLst>
+              <a:ext uri="{28A0092B-C50C-407E-A947-70E740481C1C}">
+                <a14:useLocalDpi xmlns:a14="http://schemas.microsoft.com/office/drawing/2010/main" val="0"/>
+              </a:ext>
+            </a:extLst>
+          </a:blip>
+          <a:srcRect/>
+          <a:stretch/>
+        </p:blipFill>
+        <p:spPr>
+          <a:xfrm>
+            <a:off x="8349343" y="1327666"/>
+            <a:ext cx="228600" cy="228600"/>
+          </a:xfrm>
+          <a:prstGeom prst="rect">
+            <a:avLst/>
+          </a:prstGeom>
+        </p:spPr>
+      </p:pic>
+      <p:sp>
+        <p:nvSpPr>
+          <p:cNvPr id="20" name="TextBox 19">
+            <a:extLst>
+              <a:ext uri="{FF2B5EF4-FFF2-40B4-BE49-F238E27FC236}">
+                <a16:creationId xmlns:a16="http://schemas.microsoft.com/office/drawing/2014/main" id="{60B43C9E-0C59-6AB2-24FA-CE055EF2C6BE}"/>
+              </a:ext>
+            </a:extLst>
+          </p:cNvPr>
+          <p:cNvSpPr txBox="1"/>
+          <p:nvPr/>
+        </p:nvSpPr>
+        <p:spPr>
+          <a:xfrm>
+            <a:off x="4954360" y="1834243"/>
+            <a:ext cx="3250747" cy="369332"/>
+          </a:xfrm>
+          <a:prstGeom prst="rect">
+            <a:avLst/>
+          </a:prstGeom>
+          <a:noFill/>
+          <a:ln>
+            <a:solidFill>
+              <a:schemeClr val="tx1"/>
+            </a:solidFill>
+          </a:ln>
+        </p:spPr>
+        <p:txBody>
+          <a:bodyPr wrap="square" rtlCol="0">
+            <a:spAutoFit/>
+          </a:bodyPr>
+          <a:lstStyle/>
+          <a:p>
+            <a:pPr marL="0" marR="0" lvl="0" indent="0" algn="l" defTabSz="914400" rtl="0" eaLnBrk="1" fontAlgn="auto" latinLnBrk="0" hangingPunct="1">
+              <a:lnSpc>
+                <a:spcPct val="100000"/>
+              </a:lnSpc>
+              <a:spcBef>
+                <a:spcPts val="0"/>
+              </a:spcBef>
+              <a:spcAft>
+                <a:spcPts val="0"/>
+              </a:spcAft>
+              <a:buClrTx/>
+              <a:buSzTx/>
+              <a:buFontTx/>
+              <a:buNone/>
+              <a:tabLst/>
+              <a:defRPr/>
+            </a:pPr>
+            <a:r>
+              <a:rPr kumimoji="0" lang="en-GB" sz="1800" b="0" i="0" u="none" strike="noStrike" kern="1200" cap="none" spc="0" normalizeH="0" baseline="0" noProof="0" dirty="0">
+                <a:ln>
+                  <a:noFill/>
+                </a:ln>
+                <a:effectLst/>
+                <a:uLnTx/>
+                <a:uFillTx/>
+                <a:latin typeface="Calibri" panose="020F0502020204030204"/>
+                <a:ea typeface="+mn-ea"/>
+                <a:cs typeface="+mn-cs"/>
+              </a:rPr>
+              <a:t>Long</a:t>
+            </a:r>
+          </a:p>
+        </p:txBody>
+      </p:sp>
+      <p:sp>
+        <p:nvSpPr>
+          <p:cNvPr id="21" name="TextBox 20">
+            <a:extLst>
+              <a:ext uri="{FF2B5EF4-FFF2-40B4-BE49-F238E27FC236}">
+                <a16:creationId xmlns:a16="http://schemas.microsoft.com/office/drawing/2014/main" id="{73E08E34-CC87-93D3-98D6-22C61F5EA4EF}"/>
+              </a:ext>
+            </a:extLst>
+          </p:cNvPr>
+          <p:cNvSpPr txBox="1"/>
+          <p:nvPr/>
+        </p:nvSpPr>
+        <p:spPr>
+          <a:xfrm>
+            <a:off x="3943350" y="1834243"/>
+            <a:ext cx="1011010" cy="369332"/>
+          </a:xfrm>
+          <a:prstGeom prst="rect">
+            <a:avLst/>
+          </a:prstGeom>
+          <a:noFill/>
+        </p:spPr>
+        <p:txBody>
+          <a:bodyPr wrap="square" rtlCol="0">
+            <a:spAutoFit/>
+          </a:bodyPr>
+          <a:lstStyle/>
+          <a:p>
+            <a:pPr marL="0" marR="0" lvl="0" indent="0" algn="l" defTabSz="914400" rtl="0" eaLnBrk="1" fontAlgn="auto" latinLnBrk="0" hangingPunct="1">
+              <a:lnSpc>
+                <a:spcPct val="100000"/>
+              </a:lnSpc>
+              <a:spcBef>
+                <a:spcPts val="0"/>
+              </a:spcBef>
+              <a:spcAft>
+                <a:spcPts val="0"/>
+              </a:spcAft>
+              <a:buClrTx/>
+              <a:buSzTx/>
+              <a:buFontTx/>
+              <a:buNone/>
+              <a:tabLst/>
+              <a:defRPr/>
+            </a:pPr>
+            <a:r>
+              <a:rPr kumimoji="0" lang="en-GB" sz="1800" b="0" i="0" u="none" strike="noStrike" kern="1200" cap="none" spc="0" normalizeH="0" baseline="0" noProof="0" dirty="0">
+                <a:ln>
+                  <a:noFill/>
+                </a:ln>
+                <a:effectLst/>
+                <a:uLnTx/>
+                <a:uFillTx/>
+                <a:latin typeface="Calibri" panose="020F0502020204030204"/>
+                <a:ea typeface="+mn-ea"/>
+                <a:cs typeface="+mn-cs"/>
+              </a:rPr>
+              <a:t>Position:</a:t>
+            </a:r>
+          </a:p>
+        </p:txBody>
+      </p:sp>
+      <p:pic>
+        <p:nvPicPr>
+          <p:cNvPr id="22" name="Picture 21">
+            <a:extLst>
+              <a:ext uri="{FF2B5EF4-FFF2-40B4-BE49-F238E27FC236}">
+                <a16:creationId xmlns:a16="http://schemas.microsoft.com/office/drawing/2014/main" id="{AF83F8C5-3D2B-DBAB-9EE2-C8A23F1A6C20}"/>
+              </a:ext>
+            </a:extLst>
+          </p:cNvPr>
+          <p:cNvPicPr>
+            <a:picLocks noChangeAspect="1"/>
+          </p:cNvPicPr>
+          <p:nvPr/>
+        </p:nvPicPr>
+        <p:blipFill>
+          <a:blip r:embed="rId4">
+            <a:extLst>
+              <a:ext uri="{28A0092B-C50C-407E-A947-70E740481C1C}">
+                <a14:useLocalDpi xmlns:a14="http://schemas.microsoft.com/office/drawing/2010/main" val="0"/>
+              </a:ext>
+            </a:extLst>
+          </a:blip>
+          <a:srcRect/>
+          <a:stretch/>
+        </p:blipFill>
+        <p:spPr>
+          <a:xfrm>
+            <a:off x="7913914" y="1904609"/>
+            <a:ext cx="228600" cy="228600"/>
+          </a:xfrm>
+          <a:prstGeom prst="rect">
+            <a:avLst/>
+          </a:prstGeom>
+        </p:spPr>
+      </p:pic>
+      <p:sp>
+        <p:nvSpPr>
+          <p:cNvPr id="2" name="TextBox 1">
+            <a:extLst>
+              <a:ext uri="{FF2B5EF4-FFF2-40B4-BE49-F238E27FC236}">
+                <a16:creationId xmlns:a16="http://schemas.microsoft.com/office/drawing/2014/main" id="{A09A0BAB-CA38-526D-9AA8-5C0ADA33968A}"/>
+              </a:ext>
+            </a:extLst>
+          </p:cNvPr>
+          <p:cNvSpPr txBox="1"/>
+          <p:nvPr/>
+        </p:nvSpPr>
+        <p:spPr>
+          <a:xfrm>
+            <a:off x="3943349" y="2405743"/>
+            <a:ext cx="1011010" cy="369332"/>
+          </a:xfrm>
+          <a:prstGeom prst="rect">
+            <a:avLst/>
+          </a:prstGeom>
+          <a:noFill/>
+        </p:spPr>
+        <p:txBody>
+          <a:bodyPr wrap="square" rtlCol="0">
+            <a:spAutoFit/>
+          </a:bodyPr>
+          <a:lstStyle/>
+          <a:p>
+            <a:pPr marL="0" marR="0" lvl="0" indent="0" algn="l" defTabSz="914400" rtl="0" eaLnBrk="1" fontAlgn="auto" latinLnBrk="0" hangingPunct="1">
+              <a:lnSpc>
+                <a:spcPct val="100000"/>
+              </a:lnSpc>
+              <a:spcBef>
+                <a:spcPts val="0"/>
+              </a:spcBef>
+              <a:spcAft>
+                <a:spcPts val="0"/>
+              </a:spcAft>
+              <a:buClrTx/>
+              <a:buSzTx/>
+              <a:buFontTx/>
+              <a:buNone/>
+              <a:tabLst/>
+              <a:defRPr/>
+            </a:pPr>
+            <a:r>
+              <a:rPr kumimoji="0" lang="en-GB" sz="1800" b="0" i="0" u="none" strike="noStrike" kern="1200" cap="none" spc="0" normalizeH="0" baseline="0" noProof="0" dirty="0">
+                <a:ln>
+                  <a:noFill/>
+                </a:ln>
+                <a:effectLst/>
+                <a:uLnTx/>
+                <a:uFillTx/>
+                <a:latin typeface="Calibri" panose="020F0502020204030204"/>
+                <a:ea typeface="+mn-ea"/>
+                <a:cs typeface="+mn-cs"/>
+              </a:rPr>
+              <a:t>Strategy:</a:t>
+            </a:r>
+          </a:p>
+        </p:txBody>
+      </p:sp>
+      <p:sp>
+        <p:nvSpPr>
+          <p:cNvPr id="3" name="TextBox 2">
+            <a:extLst>
+              <a:ext uri="{FF2B5EF4-FFF2-40B4-BE49-F238E27FC236}">
+                <a16:creationId xmlns:a16="http://schemas.microsoft.com/office/drawing/2014/main" id="{91B126EF-DFD8-CE0C-F09E-F4E58B6C92E7}"/>
+              </a:ext>
+            </a:extLst>
+          </p:cNvPr>
+          <p:cNvSpPr txBox="1"/>
+          <p:nvPr/>
+        </p:nvSpPr>
+        <p:spPr>
+          <a:xfrm>
+            <a:off x="4954359" y="2411186"/>
+            <a:ext cx="3250747" cy="369332"/>
+          </a:xfrm>
+          <a:prstGeom prst="rect">
+            <a:avLst/>
+          </a:prstGeom>
+          <a:noFill/>
+          <a:ln>
+            <a:solidFill>
+              <a:schemeClr val="tx1"/>
+            </a:solidFill>
+          </a:ln>
+        </p:spPr>
+        <p:txBody>
+          <a:bodyPr wrap="square" rtlCol="0">
+            <a:spAutoFit/>
+          </a:bodyPr>
+          <a:lstStyle/>
+          <a:p>
+            <a:pPr marL="0" marR="0" lvl="0" indent="0" algn="l" defTabSz="914400" rtl="0" eaLnBrk="1" fontAlgn="auto" latinLnBrk="0" hangingPunct="1">
+              <a:lnSpc>
+                <a:spcPct val="100000"/>
+              </a:lnSpc>
+              <a:spcBef>
+                <a:spcPts val="0"/>
+              </a:spcBef>
+              <a:spcAft>
+                <a:spcPts val="0"/>
+              </a:spcAft>
+              <a:buClrTx/>
+              <a:buSzTx/>
+              <a:buFontTx/>
+              <a:buNone/>
+              <a:tabLst/>
+              <a:defRPr/>
+            </a:pPr>
+            <a:r>
+              <a:rPr kumimoji="0" lang="en-GB" sz="1800" b="0" i="0" u="none" strike="noStrike" kern="1200" cap="none" spc="0" normalizeH="0" baseline="0" noProof="0" dirty="0">
+                <a:ln>
+                  <a:noFill/>
+                </a:ln>
+                <a:effectLst/>
+                <a:uLnTx/>
+                <a:uFillTx/>
+                <a:latin typeface="Calibri" panose="020F0502020204030204"/>
+                <a:ea typeface="+mn-ea"/>
+                <a:cs typeface="+mn-cs"/>
+              </a:rPr>
+              <a:t>Bollinger Bands</a:t>
+            </a:r>
+          </a:p>
+        </p:txBody>
+      </p:sp>
+      <p:pic>
+        <p:nvPicPr>
+          <p:cNvPr id="4" name="Picture 3">
+            <a:extLst>
+              <a:ext uri="{FF2B5EF4-FFF2-40B4-BE49-F238E27FC236}">
+                <a16:creationId xmlns:a16="http://schemas.microsoft.com/office/drawing/2014/main" id="{A832A5AF-F9E4-D6C3-D24E-3C996D8D35C2}"/>
+              </a:ext>
+            </a:extLst>
+          </p:cNvPr>
+          <p:cNvPicPr>
+            <a:picLocks noChangeAspect="1"/>
+          </p:cNvPicPr>
+          <p:nvPr/>
+        </p:nvPicPr>
+        <p:blipFill>
+          <a:blip r:embed="rId4">
+            <a:extLst>
+              <a:ext uri="{28A0092B-C50C-407E-A947-70E740481C1C}">
+                <a14:useLocalDpi xmlns:a14="http://schemas.microsoft.com/office/drawing/2010/main" val="0"/>
+              </a:ext>
+            </a:extLst>
+          </a:blip>
+          <a:srcRect/>
+          <a:stretch/>
+        </p:blipFill>
+        <p:spPr>
+          <a:xfrm>
+            <a:off x="7913914" y="2483882"/>
+            <a:ext cx="228600" cy="228600"/>
+          </a:xfrm>
+          <a:prstGeom prst="rect">
+            <a:avLst/>
+          </a:prstGeom>
+        </p:spPr>
+      </p:pic>
+      <p:sp>
+        <p:nvSpPr>
+          <p:cNvPr id="18" name="TextBox 17">
+            <a:extLst>
+              <a:ext uri="{FF2B5EF4-FFF2-40B4-BE49-F238E27FC236}">
+                <a16:creationId xmlns:a16="http://schemas.microsoft.com/office/drawing/2014/main" id="{594C4836-6553-DB4E-879F-B6979E7E378A}"/>
+              </a:ext>
+            </a:extLst>
+          </p:cNvPr>
+          <p:cNvSpPr txBox="1"/>
+          <p:nvPr/>
+        </p:nvSpPr>
+        <p:spPr>
+          <a:xfrm>
+            <a:off x="5719761" y="3563910"/>
+            <a:ext cx="1719942" cy="369332"/>
+          </a:xfrm>
+          <a:prstGeom prst="rect">
+            <a:avLst/>
+          </a:prstGeom>
+          <a:noFill/>
+        </p:spPr>
+        <p:txBody>
+          <a:bodyPr wrap="square" rtlCol="0">
+            <a:spAutoFit/>
+          </a:bodyPr>
+          <a:lstStyle/>
+          <a:p>
+            <a:pPr marL="0" marR="0" lvl="0" indent="0" algn="ctr" defTabSz="914400" rtl="0" eaLnBrk="1" fontAlgn="auto" latinLnBrk="0" hangingPunct="1">
+              <a:lnSpc>
+                <a:spcPct val="100000"/>
+              </a:lnSpc>
+              <a:spcBef>
+                <a:spcPts val="0"/>
+              </a:spcBef>
+              <a:spcAft>
+                <a:spcPts val="0"/>
+              </a:spcAft>
+              <a:buClrTx/>
+              <a:buSzTx/>
+              <a:buFontTx/>
+              <a:buNone/>
+              <a:tabLst/>
+              <a:defRPr/>
+            </a:pPr>
+            <a:r>
+              <a:rPr lang="en-GB" dirty="0"/>
+              <a:t>P&amp;L: $200.57</a:t>
+            </a:r>
+          </a:p>
+        </p:txBody>
+      </p:sp>
+      <p:sp>
+        <p:nvSpPr>
+          <p:cNvPr id="23" name="TextBox 22">
+            <a:extLst>
+              <a:ext uri="{FF2B5EF4-FFF2-40B4-BE49-F238E27FC236}">
+                <a16:creationId xmlns:a16="http://schemas.microsoft.com/office/drawing/2014/main" id="{4FE1824C-56C4-BDF5-86FC-A1D64C456382}"/>
+              </a:ext>
+            </a:extLst>
+          </p:cNvPr>
+          <p:cNvSpPr txBox="1"/>
+          <p:nvPr/>
+        </p:nvSpPr>
+        <p:spPr>
+          <a:xfrm>
+            <a:off x="5466668" y="4140272"/>
+            <a:ext cx="2226128" cy="369332"/>
+          </a:xfrm>
+          <a:prstGeom prst="rect">
+            <a:avLst/>
+          </a:prstGeom>
+          <a:noFill/>
+        </p:spPr>
+        <p:txBody>
+          <a:bodyPr wrap="square" rtlCol="0">
+            <a:spAutoFit/>
+          </a:bodyPr>
+          <a:lstStyle/>
+          <a:p>
+            <a:pPr marL="0" marR="0" lvl="0" indent="0" algn="ctr" defTabSz="914400" rtl="0" eaLnBrk="1" fontAlgn="auto" latinLnBrk="0" hangingPunct="1">
+              <a:lnSpc>
+                <a:spcPct val="100000"/>
+              </a:lnSpc>
+              <a:spcBef>
+                <a:spcPts val="0"/>
+              </a:spcBef>
+              <a:spcAft>
+                <a:spcPts val="0"/>
+              </a:spcAft>
+              <a:buClrTx/>
+              <a:buSzTx/>
+              <a:buFontTx/>
+              <a:buNone/>
+              <a:tabLst/>
+              <a:defRPr/>
+            </a:pPr>
+            <a:r>
+              <a:rPr lang="en-GB" dirty="0"/>
+              <a:t>Winning %: 54.21%</a:t>
+            </a:r>
+          </a:p>
+        </p:txBody>
+      </p:sp>
+      <p:sp>
+        <p:nvSpPr>
+          <p:cNvPr id="6" name="TextBox 5">
+            <a:extLst>
+              <a:ext uri="{FF2B5EF4-FFF2-40B4-BE49-F238E27FC236}">
+                <a16:creationId xmlns:a16="http://schemas.microsoft.com/office/drawing/2014/main" id="{D0CA6998-587F-FB77-21B3-82B9EA95EF17}"/>
+              </a:ext>
+            </a:extLst>
+          </p:cNvPr>
+          <p:cNvSpPr txBox="1"/>
+          <p:nvPr/>
+        </p:nvSpPr>
+        <p:spPr>
+          <a:xfrm>
+            <a:off x="4954359" y="2987548"/>
+            <a:ext cx="3250747" cy="369332"/>
+          </a:xfrm>
+          <a:prstGeom prst="rect">
+            <a:avLst/>
+          </a:prstGeom>
+          <a:noFill/>
+          <a:ln>
+            <a:solidFill>
+              <a:schemeClr val="tx1"/>
+            </a:solidFill>
+          </a:ln>
+        </p:spPr>
+        <p:txBody>
+          <a:bodyPr wrap="square" rtlCol="0">
+            <a:spAutoFit/>
+          </a:bodyPr>
+          <a:lstStyle/>
+          <a:p>
+            <a:pPr algn="ctr"/>
+            <a:r>
+              <a:rPr lang="en-GB" dirty="0"/>
+              <a:t>Submit</a:t>
+            </a:r>
+          </a:p>
+        </p:txBody>
+      </p:sp>
+    </p:spTree>
+    <p:extLst>
+      <p:ext uri="{BB962C8B-B14F-4D97-AF65-F5344CB8AC3E}">
+        <p14:creationId xmlns:p14="http://schemas.microsoft.com/office/powerpoint/2010/main" val="3103837885"/>
       </p:ext>
     </p:extLst>
   </p:cSld>
